--- a/MAT224ShinyPresentation.pptx
+++ b/MAT224ShinyPresentation.pptx
@@ -108,6 +108,3283 @@
     </a:lvl9pPr>
   </p:defaultTextStyle>
 </p:presentation>
+</file>
+
+<file path=ppt/diagrams/colors1.xml><?xml version="1.0" encoding="utf-8"?>
+<dgm:colorsDef xmlns:dgm="http://schemas.openxmlformats.org/drawingml/2006/diagram" xmlns:a="http://schemas.openxmlformats.org/drawingml/2006/main" uniqueId="urn:microsoft.com/office/officeart/2018/5/colors/Iconchunking_neutralicontext_colorful1">
+  <dgm:title val=""/>
+  <dgm:desc val=""/>
+  <dgm:catLst>
+    <dgm:cat type="colorful" pri="10100"/>
+  </dgm:catLst>
+  <dgm:styleLbl name="node0">
+    <dgm:fillClrLst meth="repeat">
+      <a:schemeClr val="accent1"/>
+    </dgm:fillClrLst>
+    <dgm:linClrLst meth="repeat">
+      <a:schemeClr val="lt1"/>
+    </dgm:linClrLst>
+    <dgm:effectClrLst/>
+    <dgm:txLinClrLst/>
+    <dgm:txFillClrLst/>
+    <dgm:txEffectClrLst/>
+  </dgm:styleLbl>
+  <dgm:styleLbl name="node1">
+    <dgm:fillClrLst meth="repeat">
+      <a:schemeClr val="bg1"/>
+    </dgm:fillClrLst>
+    <dgm:linClrLst meth="repeat">
+      <a:schemeClr val="lt1">
+        <a:alpha val="0"/>
+      </a:schemeClr>
+    </dgm:linClrLst>
+    <dgm:effectClrLst/>
+    <dgm:txLinClrLst/>
+    <dgm:txFillClrLst meth="repeat">
+      <a:schemeClr val="dk1"/>
+    </dgm:txFillClrLst>
+    <dgm:txEffectClrLst/>
+  </dgm:styleLbl>
+  <dgm:styleLbl name="alignNode1">
+    <dgm:fillClrLst meth="repeat">
+      <a:schemeClr val="accent2"/>
+      <a:schemeClr val="accent3"/>
+      <a:schemeClr val="accent4"/>
+      <a:schemeClr val="accent5"/>
+      <a:schemeClr val="accent6"/>
+    </dgm:fillClrLst>
+    <dgm:linClrLst meth="repeat">
+      <a:schemeClr val="accent2"/>
+      <a:schemeClr val="accent3"/>
+      <a:schemeClr val="accent4"/>
+      <a:schemeClr val="accent5"/>
+      <a:schemeClr val="accent6"/>
+    </dgm:linClrLst>
+    <dgm:effectClrLst/>
+    <dgm:txLinClrLst/>
+    <dgm:txFillClrLst/>
+    <dgm:txEffectClrLst/>
+  </dgm:styleLbl>
+  <dgm:styleLbl name="lnNode1">
+    <dgm:fillClrLst meth="repeat">
+      <a:schemeClr val="accent2"/>
+      <a:schemeClr val="accent3"/>
+      <a:schemeClr val="accent4"/>
+      <a:schemeClr val="accent5"/>
+      <a:schemeClr val="accent6"/>
+    </dgm:fillClrLst>
+    <dgm:linClrLst meth="repeat">
+      <a:schemeClr val="lt1"/>
+    </dgm:linClrLst>
+    <dgm:effectClrLst/>
+    <dgm:txLinClrLst/>
+    <dgm:txFillClrLst/>
+    <dgm:txEffectClrLst/>
+  </dgm:styleLbl>
+  <dgm:styleLbl name="vennNode1">
+    <dgm:fillClrLst meth="repeat">
+      <a:schemeClr val="accent2">
+        <a:alpha val="50000"/>
+      </a:schemeClr>
+      <a:schemeClr val="accent3">
+        <a:alpha val="50000"/>
+      </a:schemeClr>
+      <a:schemeClr val="accent4">
+        <a:alpha val="50000"/>
+      </a:schemeClr>
+      <a:schemeClr val="accent5">
+        <a:alpha val="50000"/>
+      </a:schemeClr>
+      <a:schemeClr val="accent6">
+        <a:alpha val="50000"/>
+      </a:schemeClr>
+    </dgm:fillClrLst>
+    <dgm:linClrLst meth="repeat">
+      <a:schemeClr val="lt1"/>
+    </dgm:linClrLst>
+    <dgm:effectClrLst/>
+    <dgm:txLinClrLst/>
+    <dgm:txFillClrLst/>
+    <dgm:txEffectClrLst/>
+  </dgm:styleLbl>
+  <dgm:styleLbl name="node2">
+    <dgm:fillClrLst>
+      <a:schemeClr val="accent2"/>
+    </dgm:fillClrLst>
+    <dgm:linClrLst meth="repeat">
+      <a:schemeClr val="lt1"/>
+    </dgm:linClrLst>
+    <dgm:effectClrLst/>
+    <dgm:txLinClrLst/>
+    <dgm:txFillClrLst/>
+    <dgm:txEffectClrLst/>
+  </dgm:styleLbl>
+  <dgm:styleLbl name="node3">
+    <dgm:fillClrLst>
+      <a:schemeClr val="accent3"/>
+    </dgm:fillClrLst>
+    <dgm:linClrLst meth="repeat">
+      <a:schemeClr val="lt1"/>
+    </dgm:linClrLst>
+    <dgm:effectClrLst/>
+    <dgm:txLinClrLst/>
+    <dgm:txFillClrLst/>
+    <dgm:txEffectClrLst/>
+  </dgm:styleLbl>
+  <dgm:styleLbl name="node4">
+    <dgm:fillClrLst>
+      <a:schemeClr val="accent4"/>
+    </dgm:fillClrLst>
+    <dgm:linClrLst meth="repeat">
+      <a:schemeClr val="lt1"/>
+    </dgm:linClrLst>
+    <dgm:effectClrLst/>
+    <dgm:txLinClrLst/>
+    <dgm:txFillClrLst/>
+    <dgm:txEffectClrLst/>
+  </dgm:styleLbl>
+  <dgm:styleLbl name="fgImgPlace1">
+    <dgm:fillClrLst meth="repeat">
+      <a:schemeClr val="accent2">
+        <a:tint val="50000"/>
+      </a:schemeClr>
+      <a:schemeClr val="accent3">
+        <a:tint val="50000"/>
+      </a:schemeClr>
+      <a:schemeClr val="accent4">
+        <a:tint val="50000"/>
+      </a:schemeClr>
+      <a:schemeClr val="accent5">
+        <a:tint val="50000"/>
+      </a:schemeClr>
+      <a:schemeClr val="accent6">
+        <a:tint val="50000"/>
+      </a:schemeClr>
+    </dgm:fillClrLst>
+    <dgm:linClrLst meth="repeat">
+      <a:schemeClr val="lt1"/>
+    </dgm:linClrLst>
+    <dgm:effectClrLst/>
+    <dgm:txLinClrLst/>
+    <dgm:txFillClrLst meth="repeat">
+      <a:schemeClr val="lt1"/>
+    </dgm:txFillClrLst>
+    <dgm:txEffectClrLst/>
+  </dgm:styleLbl>
+  <dgm:styleLbl name="alignImgPlace1">
+    <dgm:fillClrLst>
+      <a:schemeClr val="accent1">
+        <a:tint val="50000"/>
+      </a:schemeClr>
+      <a:schemeClr val="accent2">
+        <a:tint val="20000"/>
+      </a:schemeClr>
+    </dgm:fillClrLst>
+    <dgm:linClrLst meth="repeat">
+      <a:schemeClr val="lt1"/>
+    </dgm:linClrLst>
+    <dgm:effectClrLst/>
+    <dgm:txLinClrLst/>
+    <dgm:txFillClrLst meth="repeat">
+      <a:schemeClr val="lt1"/>
+    </dgm:txFillClrLst>
+    <dgm:txEffectClrLst/>
+  </dgm:styleLbl>
+  <dgm:styleLbl name="bgImgPlace1">
+    <dgm:fillClrLst>
+      <a:schemeClr val="accent1">
+        <a:tint val="50000"/>
+      </a:schemeClr>
+      <a:schemeClr val="accent2">
+        <a:tint val="20000"/>
+      </a:schemeClr>
+    </dgm:fillClrLst>
+    <dgm:linClrLst meth="repeat">
+      <a:schemeClr val="lt1"/>
+    </dgm:linClrLst>
+    <dgm:effectClrLst/>
+    <dgm:txLinClrLst/>
+    <dgm:txFillClrLst meth="repeat">
+      <a:schemeClr val="lt1"/>
+    </dgm:txFillClrLst>
+    <dgm:txEffectClrLst/>
+  </dgm:styleLbl>
+  <dgm:styleLbl name="sibTrans2D1">
+    <dgm:fillClrLst meth="repeat">
+      <a:schemeClr val="accent2"/>
+      <a:schemeClr val="accent3"/>
+      <a:schemeClr val="accent4"/>
+      <a:schemeClr val="accent5"/>
+      <a:schemeClr val="accent6"/>
+    </dgm:fillClrLst>
+    <dgm:linClrLst meth="cycle">
+      <a:schemeClr val="lt1"/>
+    </dgm:linClrLst>
+    <dgm:effectClrLst/>
+    <dgm:txLinClrLst/>
+    <dgm:txFillClrLst/>
+    <dgm:txEffectClrLst/>
+  </dgm:styleLbl>
+  <dgm:styleLbl name="fgSibTrans2D1">
+    <dgm:fillClrLst meth="repeat">
+      <a:schemeClr val="accent2"/>
+      <a:schemeClr val="accent3"/>
+      <a:schemeClr val="accent4"/>
+      <a:schemeClr val="accent5"/>
+      <a:schemeClr val="accent6"/>
+    </dgm:fillClrLst>
+    <dgm:linClrLst meth="cycle">
+      <a:schemeClr val="lt1"/>
+    </dgm:linClrLst>
+    <dgm:effectClrLst/>
+    <dgm:txLinClrLst/>
+    <dgm:txFillClrLst meth="repeat">
+      <a:schemeClr val="lt1"/>
+    </dgm:txFillClrLst>
+    <dgm:txEffectClrLst/>
+  </dgm:styleLbl>
+  <dgm:styleLbl name="bgSibTrans2D1">
+    <dgm:fillClrLst meth="repeat">
+      <a:schemeClr val="accent2"/>
+      <a:schemeClr val="accent3"/>
+      <a:schemeClr val="accent4"/>
+      <a:schemeClr val="accent5"/>
+      <a:schemeClr val="accent6"/>
+    </dgm:fillClrLst>
+    <dgm:linClrLst meth="cycle">
+      <a:schemeClr val="lt1"/>
+    </dgm:linClrLst>
+    <dgm:effectClrLst/>
+    <dgm:txLinClrLst/>
+    <dgm:txFillClrLst meth="repeat">
+      <a:schemeClr val="lt1"/>
+    </dgm:txFillClrLst>
+    <dgm:txEffectClrLst/>
+  </dgm:styleLbl>
+  <dgm:styleLbl name="sibTrans1D1">
+    <dgm:fillClrLst meth="repeat">
+      <a:schemeClr val="accent2"/>
+      <a:schemeClr val="accent3"/>
+      <a:schemeClr val="accent4"/>
+      <a:schemeClr val="accent5"/>
+      <a:schemeClr val="accent6"/>
+    </dgm:fillClrLst>
+    <dgm:linClrLst meth="repeat">
+      <a:schemeClr val="accent2"/>
+      <a:schemeClr val="accent3"/>
+      <a:schemeClr val="accent4"/>
+      <a:schemeClr val="accent5"/>
+      <a:schemeClr val="accent6"/>
+    </dgm:linClrLst>
+    <dgm:effectClrLst/>
+    <dgm:txLinClrLst/>
+    <dgm:txFillClrLst meth="repeat">
+      <a:schemeClr val="tx1"/>
+    </dgm:txFillClrLst>
+    <dgm:txEffectClrLst/>
+  </dgm:styleLbl>
+  <dgm:styleLbl name="callout">
+    <dgm:fillClrLst meth="repeat">
+      <a:schemeClr val="accent2"/>
+    </dgm:fillClrLst>
+    <dgm:linClrLst meth="repeat">
+      <a:schemeClr val="accent2">
+        <a:tint val="50000"/>
+      </a:schemeClr>
+    </dgm:linClrLst>
+    <dgm:effectClrLst/>
+    <dgm:txLinClrLst/>
+    <dgm:txFillClrLst meth="repeat">
+      <a:schemeClr val="tx1"/>
+    </dgm:txFillClrLst>
+    <dgm:txEffectClrLst/>
+  </dgm:styleLbl>
+  <dgm:styleLbl name="asst0">
+    <dgm:fillClrLst meth="repeat">
+      <a:schemeClr val="accent1"/>
+    </dgm:fillClrLst>
+    <dgm:linClrLst meth="repeat">
+      <a:schemeClr val="lt1"/>
+    </dgm:linClrLst>
+    <dgm:effectClrLst/>
+    <dgm:txLinClrLst/>
+    <dgm:txFillClrLst/>
+    <dgm:txEffectClrLst/>
+  </dgm:styleLbl>
+  <dgm:styleLbl name="asst1">
+    <dgm:fillClrLst meth="repeat">
+      <a:schemeClr val="accent2"/>
+    </dgm:fillClrLst>
+    <dgm:linClrLst meth="repeat">
+      <a:schemeClr val="lt1"/>
+    </dgm:linClrLst>
+    <dgm:effectClrLst/>
+    <dgm:txLinClrLst/>
+    <dgm:txFillClrLst/>
+    <dgm:txEffectClrLst/>
+  </dgm:styleLbl>
+  <dgm:styleLbl name="asst2">
+    <dgm:fillClrLst>
+      <a:schemeClr val="accent3"/>
+    </dgm:fillClrLst>
+    <dgm:linClrLst meth="repeat">
+      <a:schemeClr val="lt1"/>
+    </dgm:linClrLst>
+    <dgm:effectClrLst/>
+    <dgm:txLinClrLst/>
+    <dgm:txFillClrLst/>
+    <dgm:txEffectClrLst/>
+  </dgm:styleLbl>
+  <dgm:styleLbl name="asst3">
+    <dgm:fillClrLst>
+      <a:schemeClr val="accent4"/>
+    </dgm:fillClrLst>
+    <dgm:linClrLst meth="repeat">
+      <a:schemeClr val="lt1"/>
+    </dgm:linClrLst>
+    <dgm:effectClrLst/>
+    <dgm:txLinClrLst/>
+    <dgm:txFillClrLst/>
+    <dgm:txEffectClrLst/>
+  </dgm:styleLbl>
+  <dgm:styleLbl name="asst4">
+    <dgm:fillClrLst>
+      <a:schemeClr val="accent5"/>
+    </dgm:fillClrLst>
+    <dgm:linClrLst meth="repeat">
+      <a:schemeClr val="lt1"/>
+    </dgm:linClrLst>
+    <dgm:effectClrLst/>
+    <dgm:txLinClrLst/>
+    <dgm:txFillClrLst/>
+    <dgm:txEffectClrLst/>
+  </dgm:styleLbl>
+  <dgm:styleLbl name="parChTrans2D1">
+    <dgm:fillClrLst meth="repeat">
+      <a:schemeClr val="accent2"/>
+    </dgm:fillClrLst>
+    <dgm:linClrLst meth="repeat">
+      <a:schemeClr val="lt1"/>
+    </dgm:linClrLst>
+    <dgm:effectClrLst/>
+    <dgm:txLinClrLst/>
+    <dgm:txFillClrLst meth="repeat">
+      <a:schemeClr val="lt1"/>
+    </dgm:txFillClrLst>
+    <dgm:txEffectClrLst/>
+  </dgm:styleLbl>
+  <dgm:styleLbl name="parChTrans2D2">
+    <dgm:fillClrLst meth="repeat">
+      <a:schemeClr val="accent3"/>
+    </dgm:fillClrLst>
+    <dgm:linClrLst meth="repeat">
+      <a:schemeClr val="lt1"/>
+    </dgm:linClrLst>
+    <dgm:effectClrLst/>
+    <dgm:txLinClrLst/>
+    <dgm:txFillClrLst/>
+    <dgm:txEffectClrLst/>
+  </dgm:styleLbl>
+  <dgm:styleLbl name="parChTrans2D3">
+    <dgm:fillClrLst meth="repeat">
+      <a:schemeClr val="accent4"/>
+    </dgm:fillClrLst>
+    <dgm:linClrLst meth="repeat">
+      <a:schemeClr val="lt1"/>
+    </dgm:linClrLst>
+    <dgm:effectClrLst/>
+    <dgm:txLinClrLst/>
+    <dgm:txFillClrLst/>
+    <dgm:txEffectClrLst/>
+  </dgm:styleLbl>
+  <dgm:styleLbl name="parChTrans2D4">
+    <dgm:fillClrLst meth="repeat">
+      <a:schemeClr val="accent5"/>
+    </dgm:fillClrLst>
+    <dgm:linClrLst meth="repeat">
+      <a:schemeClr val="lt1"/>
+    </dgm:linClrLst>
+    <dgm:effectClrLst/>
+    <dgm:txLinClrLst/>
+    <dgm:txFillClrLst meth="repeat">
+      <a:schemeClr val="lt1"/>
+    </dgm:txFillClrLst>
+    <dgm:txEffectClrLst/>
+  </dgm:styleLbl>
+  <dgm:styleLbl name="parChTrans1D1">
+    <dgm:fillClrLst meth="repeat">
+      <a:schemeClr val="accent2"/>
+    </dgm:fillClrLst>
+    <dgm:linClrLst meth="repeat">
+      <a:schemeClr val="accent1"/>
+    </dgm:linClrLst>
+    <dgm:effectClrLst/>
+    <dgm:txLinClrLst/>
+    <dgm:txFillClrLst meth="repeat">
+      <a:schemeClr val="tx1"/>
+    </dgm:txFillClrLst>
+    <dgm:txEffectClrLst/>
+  </dgm:styleLbl>
+  <dgm:styleLbl name="parChTrans1D2">
+    <dgm:fillClrLst meth="repeat">
+      <a:schemeClr val="accent3">
+        <a:tint val="90000"/>
+      </a:schemeClr>
+    </dgm:fillClrLst>
+    <dgm:linClrLst meth="repeat">
+      <a:schemeClr val="accent2"/>
+    </dgm:linClrLst>
+    <dgm:effectClrLst/>
+    <dgm:txLinClrLst/>
+    <dgm:txFillClrLst meth="repeat">
+      <a:schemeClr val="tx1"/>
+    </dgm:txFillClrLst>
+    <dgm:txEffectClrLst/>
+  </dgm:styleLbl>
+  <dgm:styleLbl name="parChTrans1D3">
+    <dgm:fillClrLst meth="repeat">
+      <a:schemeClr val="accent4">
+        <a:tint val="70000"/>
+      </a:schemeClr>
+    </dgm:fillClrLst>
+    <dgm:linClrLst meth="repeat">
+      <a:schemeClr val="accent3"/>
+    </dgm:linClrLst>
+    <dgm:effectClrLst/>
+    <dgm:txLinClrLst/>
+    <dgm:txFillClrLst meth="repeat">
+      <a:schemeClr val="tx1"/>
+    </dgm:txFillClrLst>
+    <dgm:txEffectClrLst/>
+  </dgm:styleLbl>
+  <dgm:styleLbl name="parChTrans1D4">
+    <dgm:fillClrLst meth="repeat">
+      <a:schemeClr val="accent5">
+        <a:tint val="50000"/>
+      </a:schemeClr>
+    </dgm:fillClrLst>
+    <dgm:linClrLst meth="repeat">
+      <a:schemeClr val="accent4"/>
+    </dgm:linClrLst>
+    <dgm:effectClrLst/>
+    <dgm:txLinClrLst/>
+    <dgm:txFillClrLst meth="repeat">
+      <a:schemeClr val="tx1"/>
+    </dgm:txFillClrLst>
+    <dgm:txEffectClrLst/>
+  </dgm:styleLbl>
+  <dgm:styleLbl name="fgAcc1">
+    <dgm:fillClrLst meth="repeat">
+      <a:schemeClr val="lt1">
+        <a:alpha val="90000"/>
+      </a:schemeClr>
+    </dgm:fillClrLst>
+    <dgm:linClrLst meth="repeat">
+      <a:schemeClr val="accent2"/>
+      <a:schemeClr val="accent3"/>
+      <a:schemeClr val="accent4"/>
+      <a:schemeClr val="accent5"/>
+      <a:schemeClr val="accent6"/>
+    </dgm:linClrLst>
+    <dgm:effectClrLst/>
+    <dgm:txLinClrLst/>
+    <dgm:txFillClrLst meth="repeat">
+      <a:schemeClr val="dk1"/>
+    </dgm:txFillClrLst>
+    <dgm:txEffectClrLst/>
+  </dgm:styleLbl>
+  <dgm:styleLbl name="conFgAcc1">
+    <dgm:fillClrLst meth="repeat">
+      <a:schemeClr val="lt1">
+        <a:alpha val="90000"/>
+      </a:schemeClr>
+    </dgm:fillClrLst>
+    <dgm:linClrLst meth="repeat">
+      <a:schemeClr val="accent2"/>
+      <a:schemeClr val="accent3"/>
+      <a:schemeClr val="accent4"/>
+      <a:schemeClr val="accent5"/>
+      <a:schemeClr val="accent6"/>
+    </dgm:linClrLst>
+    <dgm:effectClrLst/>
+    <dgm:txLinClrLst/>
+    <dgm:txFillClrLst meth="repeat">
+      <a:schemeClr val="dk1"/>
+    </dgm:txFillClrLst>
+    <dgm:txEffectClrLst/>
+  </dgm:styleLbl>
+  <dgm:styleLbl name="alignAcc1">
+    <dgm:fillClrLst meth="repeat">
+      <a:schemeClr val="lt1">
+        <a:alpha val="90000"/>
+      </a:schemeClr>
+    </dgm:fillClrLst>
+    <dgm:linClrLst meth="repeat">
+      <a:schemeClr val="accent2"/>
+      <a:schemeClr val="accent3"/>
+      <a:schemeClr val="accent4"/>
+      <a:schemeClr val="accent5"/>
+      <a:schemeClr val="accent6"/>
+    </dgm:linClrLst>
+    <dgm:effectClrLst/>
+    <dgm:txLinClrLst/>
+    <dgm:txFillClrLst meth="repeat">
+      <a:schemeClr val="dk1"/>
+    </dgm:txFillClrLst>
+    <dgm:txEffectClrLst/>
+  </dgm:styleLbl>
+  <dgm:styleLbl name="trAlignAcc1">
+    <dgm:fillClrLst meth="repeat">
+      <a:schemeClr val="lt1">
+        <a:alpha val="40000"/>
+      </a:schemeClr>
+    </dgm:fillClrLst>
+    <dgm:linClrLst meth="repeat">
+      <a:schemeClr val="accent1"/>
+    </dgm:linClrLst>
+    <dgm:effectClrLst/>
+    <dgm:txLinClrLst/>
+    <dgm:txFillClrLst meth="repeat">
+      <a:schemeClr val="dk1"/>
+    </dgm:txFillClrLst>
+    <dgm:txEffectClrLst/>
+  </dgm:styleLbl>
+  <dgm:styleLbl name="bgAcc1">
+    <dgm:fillClrLst meth="repeat">
+      <a:schemeClr val="lt1">
+        <a:alpha val="90000"/>
+      </a:schemeClr>
+    </dgm:fillClrLst>
+    <dgm:linClrLst meth="repeat">
+      <a:schemeClr val="accent2"/>
+      <a:schemeClr val="accent3"/>
+      <a:schemeClr val="accent4"/>
+      <a:schemeClr val="accent5"/>
+      <a:schemeClr val="accent6"/>
+    </dgm:linClrLst>
+    <dgm:effectClrLst/>
+    <dgm:txLinClrLst/>
+    <dgm:txFillClrLst meth="repeat">
+      <a:schemeClr val="dk1"/>
+    </dgm:txFillClrLst>
+    <dgm:txEffectClrLst/>
+  </dgm:styleLbl>
+  <dgm:styleLbl name="solidFgAcc1">
+    <dgm:fillClrLst meth="repeat">
+      <a:schemeClr val="lt1"/>
+    </dgm:fillClrLst>
+    <dgm:linClrLst meth="repeat">
+      <a:schemeClr val="accent2"/>
+      <a:schemeClr val="accent3"/>
+      <a:schemeClr val="accent4"/>
+      <a:schemeClr val="accent5"/>
+      <a:schemeClr val="accent6"/>
+    </dgm:linClrLst>
+    <dgm:effectClrLst/>
+    <dgm:txLinClrLst/>
+    <dgm:txFillClrLst meth="repeat">
+      <a:schemeClr val="dk1"/>
+    </dgm:txFillClrLst>
+    <dgm:txEffectClrLst/>
+  </dgm:styleLbl>
+  <dgm:styleLbl name="solidAlignAcc1">
+    <dgm:fillClrLst meth="repeat">
+      <a:schemeClr val="lt1"/>
+    </dgm:fillClrLst>
+    <dgm:linClrLst meth="repeat">
+      <a:schemeClr val="accent2"/>
+      <a:schemeClr val="accent3"/>
+      <a:schemeClr val="accent4"/>
+      <a:schemeClr val="accent5"/>
+      <a:schemeClr val="accent6"/>
+    </dgm:linClrLst>
+    <dgm:effectClrLst/>
+    <dgm:txLinClrLst/>
+    <dgm:txFillClrLst meth="repeat">
+      <a:schemeClr val="dk1"/>
+    </dgm:txFillClrLst>
+    <dgm:txEffectClrLst/>
+  </dgm:styleLbl>
+  <dgm:styleLbl name="solidBgAcc1">
+    <dgm:fillClrLst meth="repeat">
+      <a:schemeClr val="lt1"/>
+    </dgm:fillClrLst>
+    <dgm:linClrLst meth="repeat">
+      <a:schemeClr val="accent2"/>
+      <a:schemeClr val="accent3"/>
+      <a:schemeClr val="accent4"/>
+      <a:schemeClr val="accent5"/>
+      <a:schemeClr val="accent6"/>
+    </dgm:linClrLst>
+    <dgm:effectClrLst/>
+    <dgm:txLinClrLst/>
+    <dgm:txFillClrLst meth="repeat">
+      <a:schemeClr val="dk1"/>
+    </dgm:txFillClrLst>
+    <dgm:txEffectClrLst/>
+  </dgm:styleLbl>
+  <dgm:styleLbl name="fgAccFollowNode1">
+    <dgm:fillClrLst meth="repeat">
+      <a:schemeClr val="accent2">
+        <a:tint val="40000"/>
+        <a:alpha val="90000"/>
+      </a:schemeClr>
+      <a:schemeClr val="accent3">
+        <a:tint val="40000"/>
+        <a:alpha val="90000"/>
+      </a:schemeClr>
+      <a:schemeClr val="accent4">
+        <a:tint val="40000"/>
+        <a:alpha val="90000"/>
+      </a:schemeClr>
+      <a:schemeClr val="accent5">
+        <a:tint val="40000"/>
+        <a:alpha val="90000"/>
+      </a:schemeClr>
+      <a:schemeClr val="accent6">
+        <a:tint val="40000"/>
+        <a:alpha val="90000"/>
+      </a:schemeClr>
+    </dgm:fillClrLst>
+    <dgm:linClrLst meth="repeat">
+      <a:schemeClr val="accent2">
+        <a:tint val="40000"/>
+        <a:alpha val="90000"/>
+      </a:schemeClr>
+      <a:schemeClr val="accent3">
+        <a:tint val="40000"/>
+        <a:alpha val="90000"/>
+      </a:schemeClr>
+      <a:schemeClr val="accent4">
+        <a:tint val="40000"/>
+        <a:alpha val="90000"/>
+      </a:schemeClr>
+      <a:schemeClr val="accent5">
+        <a:tint val="40000"/>
+        <a:alpha val="90000"/>
+      </a:schemeClr>
+      <a:schemeClr val="accent6">
+        <a:tint val="40000"/>
+        <a:alpha val="90000"/>
+      </a:schemeClr>
+    </dgm:linClrLst>
+    <dgm:effectClrLst/>
+    <dgm:txLinClrLst/>
+    <dgm:txFillClrLst meth="repeat">
+      <a:schemeClr val="dk1"/>
+    </dgm:txFillClrLst>
+    <dgm:txEffectClrLst/>
+  </dgm:styleLbl>
+  <dgm:styleLbl name="alignAccFollowNode1">
+    <dgm:fillClrLst meth="repeat">
+      <a:schemeClr val="accent2">
+        <a:tint val="40000"/>
+        <a:alpha val="90000"/>
+      </a:schemeClr>
+      <a:schemeClr val="accent3">
+        <a:tint val="40000"/>
+        <a:alpha val="90000"/>
+      </a:schemeClr>
+      <a:schemeClr val="accent4">
+        <a:tint val="40000"/>
+        <a:alpha val="90000"/>
+      </a:schemeClr>
+      <a:schemeClr val="accent5">
+        <a:tint val="40000"/>
+        <a:alpha val="90000"/>
+      </a:schemeClr>
+      <a:schemeClr val="accent6">
+        <a:tint val="40000"/>
+        <a:alpha val="90000"/>
+      </a:schemeClr>
+    </dgm:fillClrLst>
+    <dgm:linClrLst meth="repeat">
+      <a:schemeClr val="accent2">
+        <a:tint val="40000"/>
+        <a:alpha val="90000"/>
+      </a:schemeClr>
+      <a:schemeClr val="accent3">
+        <a:tint val="40000"/>
+        <a:alpha val="90000"/>
+      </a:schemeClr>
+      <a:schemeClr val="accent4">
+        <a:tint val="40000"/>
+        <a:alpha val="90000"/>
+      </a:schemeClr>
+      <a:schemeClr val="accent5">
+        <a:tint val="40000"/>
+        <a:alpha val="90000"/>
+      </a:schemeClr>
+      <a:schemeClr val="accent6">
+        <a:tint val="40000"/>
+        <a:alpha val="90000"/>
+      </a:schemeClr>
+    </dgm:linClrLst>
+    <dgm:effectClrLst/>
+    <dgm:txLinClrLst/>
+    <dgm:txFillClrLst meth="repeat">
+      <a:schemeClr val="dk1"/>
+    </dgm:txFillClrLst>
+    <dgm:txEffectClrLst/>
+  </dgm:styleLbl>
+  <dgm:styleLbl name="bgAccFollowNode1">
+    <dgm:fillClrLst meth="repeat">
+      <a:schemeClr val="accent2">
+        <a:tint val="40000"/>
+        <a:alpha val="90000"/>
+      </a:schemeClr>
+      <a:schemeClr val="accent3">
+        <a:tint val="40000"/>
+        <a:alpha val="90000"/>
+      </a:schemeClr>
+      <a:schemeClr val="accent4">
+        <a:tint val="40000"/>
+        <a:alpha val="90000"/>
+      </a:schemeClr>
+      <a:schemeClr val="accent5">
+        <a:tint val="40000"/>
+        <a:alpha val="90000"/>
+      </a:schemeClr>
+      <a:schemeClr val="accent6">
+        <a:tint val="40000"/>
+        <a:alpha val="90000"/>
+      </a:schemeClr>
+    </dgm:fillClrLst>
+    <dgm:linClrLst meth="repeat">
+      <a:schemeClr val="accent2">
+        <a:tint val="40000"/>
+        <a:alpha val="90000"/>
+      </a:schemeClr>
+      <a:schemeClr val="accent3">
+        <a:tint val="40000"/>
+        <a:alpha val="90000"/>
+      </a:schemeClr>
+      <a:schemeClr val="accent4">
+        <a:tint val="40000"/>
+        <a:alpha val="90000"/>
+      </a:schemeClr>
+      <a:schemeClr val="accent5">
+        <a:tint val="40000"/>
+        <a:alpha val="90000"/>
+      </a:schemeClr>
+      <a:schemeClr val="accent6">
+        <a:tint val="40000"/>
+        <a:alpha val="90000"/>
+      </a:schemeClr>
+    </dgm:linClrLst>
+    <dgm:effectClrLst/>
+    <dgm:txLinClrLst/>
+    <dgm:txFillClrLst meth="repeat">
+      <a:schemeClr val="dk1"/>
+    </dgm:txFillClrLst>
+    <dgm:txEffectClrLst/>
+  </dgm:styleLbl>
+  <dgm:styleLbl name="fgAcc0">
+    <dgm:fillClrLst meth="repeat">
+      <a:schemeClr val="lt1">
+        <a:alpha val="90000"/>
+      </a:schemeClr>
+    </dgm:fillClrLst>
+    <dgm:linClrLst>
+      <a:schemeClr val="accent1"/>
+    </dgm:linClrLst>
+    <dgm:effectClrLst/>
+    <dgm:txLinClrLst/>
+    <dgm:txFillClrLst meth="repeat">
+      <a:schemeClr val="dk1"/>
+    </dgm:txFillClrLst>
+    <dgm:txEffectClrLst/>
+  </dgm:styleLbl>
+  <dgm:styleLbl name="fgAcc2">
+    <dgm:fillClrLst meth="repeat">
+      <a:schemeClr val="lt1">
+        <a:alpha val="90000"/>
+      </a:schemeClr>
+    </dgm:fillClrLst>
+    <dgm:linClrLst>
+      <a:schemeClr val="accent2"/>
+    </dgm:linClrLst>
+    <dgm:effectClrLst/>
+    <dgm:txLinClrLst/>
+    <dgm:txFillClrLst meth="repeat">
+      <a:schemeClr val="dk1"/>
+    </dgm:txFillClrLst>
+    <dgm:txEffectClrLst/>
+  </dgm:styleLbl>
+  <dgm:styleLbl name="fgAcc3">
+    <dgm:fillClrLst meth="repeat">
+      <a:schemeClr val="lt1">
+        <a:alpha val="90000"/>
+      </a:schemeClr>
+    </dgm:fillClrLst>
+    <dgm:linClrLst>
+      <a:schemeClr val="accent3"/>
+    </dgm:linClrLst>
+    <dgm:effectClrLst/>
+    <dgm:txLinClrLst/>
+    <dgm:txFillClrLst meth="repeat">
+      <a:schemeClr val="dk1"/>
+    </dgm:txFillClrLst>
+    <dgm:txEffectClrLst/>
+  </dgm:styleLbl>
+  <dgm:styleLbl name="fgAcc4">
+    <dgm:fillClrLst meth="repeat">
+      <a:schemeClr val="lt1">
+        <a:alpha val="90000"/>
+      </a:schemeClr>
+    </dgm:fillClrLst>
+    <dgm:linClrLst>
+      <a:schemeClr val="accent4"/>
+    </dgm:linClrLst>
+    <dgm:effectClrLst/>
+    <dgm:txLinClrLst/>
+    <dgm:txFillClrLst meth="repeat">
+      <a:schemeClr val="dk1"/>
+    </dgm:txFillClrLst>
+    <dgm:txEffectClrLst/>
+  </dgm:styleLbl>
+  <dgm:styleLbl name="bgShp">
+    <dgm:fillClrLst meth="repeat">
+      <a:schemeClr val="accent2"/>
+      <a:schemeClr val="accent3"/>
+      <a:schemeClr val="accent4"/>
+      <a:schemeClr val="accent5"/>
+      <a:schemeClr val="accent6"/>
+    </dgm:fillClrLst>
+    <dgm:linClrLst meth="repeat">
+      <a:schemeClr val="lt1">
+        <a:alpha val="0"/>
+      </a:schemeClr>
+    </dgm:linClrLst>
+    <dgm:effectClrLst/>
+    <dgm:txLinClrLst/>
+    <dgm:txFillClrLst/>
+    <dgm:txEffectClrLst/>
+  </dgm:styleLbl>
+  <dgm:styleLbl name="dkBgShp">
+    <dgm:fillClrLst meth="repeat">
+      <a:schemeClr val="accent2">
+        <a:shade val="90000"/>
+      </a:schemeClr>
+    </dgm:fillClrLst>
+    <dgm:linClrLst meth="repeat">
+      <a:schemeClr val="dk1"/>
+    </dgm:linClrLst>
+    <dgm:effectClrLst/>
+    <dgm:txLinClrLst/>
+    <dgm:txFillClrLst meth="repeat">
+      <a:schemeClr val="lt1"/>
+    </dgm:txFillClrLst>
+    <dgm:txEffectClrLst/>
+  </dgm:styleLbl>
+  <dgm:styleLbl name="trBgShp">
+    <dgm:fillClrLst meth="repeat">
+      <a:schemeClr val="accent1">
+        <a:tint val="50000"/>
+        <a:alpha val="40000"/>
+      </a:schemeClr>
+    </dgm:fillClrLst>
+    <dgm:linClrLst meth="repeat">
+      <a:schemeClr val="accent2"/>
+    </dgm:linClrLst>
+    <dgm:effectClrLst/>
+    <dgm:txLinClrLst/>
+    <dgm:txFillClrLst meth="repeat">
+      <a:schemeClr val="lt1"/>
+    </dgm:txFillClrLst>
+    <dgm:txEffectClrLst/>
+  </dgm:styleLbl>
+  <dgm:styleLbl name="fgShp">
+    <dgm:fillClrLst meth="repeat">
+      <a:schemeClr val="accent2">
+        <a:tint val="40000"/>
+      </a:schemeClr>
+    </dgm:fillClrLst>
+    <dgm:linClrLst meth="repeat">
+      <a:schemeClr val="lt1"/>
+    </dgm:linClrLst>
+    <dgm:effectClrLst/>
+    <dgm:txLinClrLst/>
+    <dgm:txFillClrLst meth="repeat">
+      <a:schemeClr val="dk1"/>
+    </dgm:txFillClrLst>
+    <dgm:txEffectClrLst/>
+  </dgm:styleLbl>
+  <dgm:styleLbl name="revTx">
+    <dgm:fillClrLst meth="repeat">
+      <a:schemeClr val="lt1">
+        <a:alpha val="0"/>
+      </a:schemeClr>
+    </dgm:fillClrLst>
+    <dgm:linClrLst meth="repeat">
+      <a:schemeClr val="dk1">
+        <a:alpha val="0"/>
+      </a:schemeClr>
+    </dgm:linClrLst>
+    <dgm:effectClrLst/>
+    <dgm:txLinClrLst/>
+    <dgm:txFillClrLst meth="repeat">
+      <a:schemeClr val="bg1"/>
+    </dgm:txFillClrLst>
+    <dgm:txEffectClrLst/>
+  </dgm:styleLbl>
+</dgm:colorsDef>
+</file>
+
+<file path=ppt/diagrams/data1.xml><?xml version="1.0" encoding="utf-8"?>
+<dgm:dataModel xmlns:dgm="http://schemas.openxmlformats.org/drawingml/2006/diagram" xmlns:a="http://schemas.openxmlformats.org/drawingml/2006/main">
+  <dgm:ptLst>
+    <dgm:pt modelId="{FFC7F8DA-70D8-4643-987E-7B9A27E61F1A}" type="doc">
+      <dgm:prSet loTypeId="urn:microsoft.com/office/officeart/2018/2/layout/IconVerticalSolidList" loCatId="icon" qsTypeId="urn:microsoft.com/office/officeart/2005/8/quickstyle/simple4" qsCatId="simple" csTypeId="urn:microsoft.com/office/officeart/2018/5/colors/Iconchunking_neutralicontext_colorful1" csCatId="colorful" phldr="1"/>
+      <dgm:spPr/>
+      <dgm:t>
+        <a:bodyPr/>
+        <a:lstStyle/>
+        <a:p>
+          <a:endParaRPr lang="en-US"/>
+        </a:p>
+      </dgm:t>
+    </dgm:pt>
+    <dgm:pt modelId="{7B7FC90A-ED92-4616-93CD-EAE433C48397}">
+      <dgm:prSet/>
+      <dgm:spPr/>
+      <dgm:t>
+        <a:bodyPr/>
+        <a:lstStyle/>
+        <a:p>
+          <a:r>
+            <a:rPr lang="en-US"/>
+            <a:t>My app accepts a .csv file given by the user (since Kmeans will return an error on non-numeric and NA/NaN data, the app will remove these on its own)</a:t>
+          </a:r>
+        </a:p>
+      </dgm:t>
+    </dgm:pt>
+    <dgm:pt modelId="{00B2B9EF-2327-45FD-9790-8E9D337B7ABF}" type="parTrans" cxnId="{F78EEF6D-FAFA-4A22-84C0-6B47633EF0AC}">
+      <dgm:prSet/>
+      <dgm:spPr/>
+      <dgm:t>
+        <a:bodyPr/>
+        <a:lstStyle/>
+        <a:p>
+          <a:endParaRPr lang="en-US"/>
+        </a:p>
+      </dgm:t>
+    </dgm:pt>
+    <dgm:pt modelId="{EFC781D3-4193-4B7C-8BF4-80494F76632F}" type="sibTrans" cxnId="{F78EEF6D-FAFA-4A22-84C0-6B47633EF0AC}">
+      <dgm:prSet/>
+      <dgm:spPr/>
+      <dgm:t>
+        <a:bodyPr/>
+        <a:lstStyle/>
+        <a:p>
+          <a:endParaRPr lang="en-US"/>
+        </a:p>
+      </dgm:t>
+    </dgm:pt>
+    <dgm:pt modelId="{BF5CE357-0B98-41AC-AD6A-381C621E1254}">
+      <dgm:prSet/>
+      <dgm:spPr/>
+      <dgm:t>
+        <a:bodyPr/>
+        <a:lstStyle/>
+        <a:p>
+          <a:r>
+            <a:rPr lang="en-US" dirty="0"/>
+            <a:t>The next tab allows the user to view the data to make sure it was loaded correctly</a:t>
+          </a:r>
+        </a:p>
+      </dgm:t>
+    </dgm:pt>
+    <dgm:pt modelId="{0616B727-2E0D-48FB-A7B0-4AFBAE48C6E0}" type="parTrans" cxnId="{0FFDEA7D-8894-415E-B7D6-78E63369DFA3}">
+      <dgm:prSet/>
+      <dgm:spPr/>
+      <dgm:t>
+        <a:bodyPr/>
+        <a:lstStyle/>
+        <a:p>
+          <a:endParaRPr lang="en-US"/>
+        </a:p>
+      </dgm:t>
+    </dgm:pt>
+    <dgm:pt modelId="{90A02448-2E90-4E00-A252-33AA63C2206C}" type="sibTrans" cxnId="{0FFDEA7D-8894-415E-B7D6-78E63369DFA3}">
+      <dgm:prSet/>
+      <dgm:spPr/>
+      <dgm:t>
+        <a:bodyPr/>
+        <a:lstStyle/>
+        <a:p>
+          <a:endParaRPr lang="en-US"/>
+        </a:p>
+      </dgm:t>
+    </dgm:pt>
+    <dgm:pt modelId="{A20FFB2A-7AAA-4246-9C3A-71ED0E96DC04}">
+      <dgm:prSet/>
+      <dgm:spPr/>
+      <dgm:t>
+        <a:bodyPr/>
+        <a:lstStyle/>
+        <a:p>
+          <a:r>
+            <a:rPr lang="en-US" dirty="0"/>
+            <a:t>Then it plots an elbow test of the data to show the optimal number of clusters to use for K-Means clustering </a:t>
+          </a:r>
+        </a:p>
+      </dgm:t>
+    </dgm:pt>
+    <dgm:pt modelId="{D830A899-79A9-4707-A750-FC99EE24A0A2}" type="parTrans" cxnId="{7F35A9B3-1095-495A-ACA1-110C0F3DC105}">
+      <dgm:prSet/>
+      <dgm:spPr/>
+      <dgm:t>
+        <a:bodyPr/>
+        <a:lstStyle/>
+        <a:p>
+          <a:endParaRPr lang="en-US"/>
+        </a:p>
+      </dgm:t>
+    </dgm:pt>
+    <dgm:pt modelId="{04643744-CC03-4AC1-97A1-6CA86EC5ED27}" type="sibTrans" cxnId="{7F35A9B3-1095-495A-ACA1-110C0F3DC105}">
+      <dgm:prSet/>
+      <dgm:spPr/>
+      <dgm:t>
+        <a:bodyPr/>
+        <a:lstStyle/>
+        <a:p>
+          <a:endParaRPr lang="en-US"/>
+        </a:p>
+      </dgm:t>
+    </dgm:pt>
+    <dgm:pt modelId="{CE7EC4D2-0718-4F92-9F11-C14B202F61FA}">
+      <dgm:prSet/>
+      <dgm:spPr/>
+      <dgm:t>
+        <a:bodyPr/>
+        <a:lstStyle/>
+        <a:p>
+          <a:r>
+            <a:rPr lang="en-US"/>
+            <a:t>Finally it does K-Means Clustering and shows the resulting plot. There is a slider to allow the user to change the number of clusters K.</a:t>
+          </a:r>
+        </a:p>
+      </dgm:t>
+    </dgm:pt>
+    <dgm:pt modelId="{0C404714-6B9F-4E61-AD0D-E824D971A055}" type="parTrans" cxnId="{B5226521-5F1A-4765-B3E6-E6FC8CAB44D4}">
+      <dgm:prSet/>
+      <dgm:spPr/>
+      <dgm:t>
+        <a:bodyPr/>
+        <a:lstStyle/>
+        <a:p>
+          <a:endParaRPr lang="en-US"/>
+        </a:p>
+      </dgm:t>
+    </dgm:pt>
+    <dgm:pt modelId="{5006F55A-FD1A-4E84-B19F-D432DC93C76E}" type="sibTrans" cxnId="{B5226521-5F1A-4765-B3E6-E6FC8CAB44D4}">
+      <dgm:prSet/>
+      <dgm:spPr/>
+      <dgm:t>
+        <a:bodyPr/>
+        <a:lstStyle/>
+        <a:p>
+          <a:endParaRPr lang="en-US"/>
+        </a:p>
+      </dgm:t>
+    </dgm:pt>
+    <dgm:pt modelId="{570FB6C7-0FE3-4A22-A0CD-5519869C98D3}" type="pres">
+      <dgm:prSet presAssocID="{FFC7F8DA-70D8-4643-987E-7B9A27E61F1A}" presName="root" presStyleCnt="0">
+        <dgm:presLayoutVars>
+          <dgm:dir/>
+          <dgm:resizeHandles val="exact"/>
+        </dgm:presLayoutVars>
+      </dgm:prSet>
+      <dgm:spPr/>
+    </dgm:pt>
+    <dgm:pt modelId="{40177140-845D-4C77-A478-4BD50E0C036C}" type="pres">
+      <dgm:prSet presAssocID="{7B7FC90A-ED92-4616-93CD-EAE433C48397}" presName="compNode" presStyleCnt="0"/>
+      <dgm:spPr/>
+    </dgm:pt>
+    <dgm:pt modelId="{1EA39EE4-FF43-40FF-8CA6-9C96446D5B94}" type="pres">
+      <dgm:prSet presAssocID="{7B7FC90A-ED92-4616-93CD-EAE433C48397}" presName="bgRect" presStyleLbl="bgShp" presStyleIdx="0" presStyleCnt="4"/>
+      <dgm:spPr/>
+    </dgm:pt>
+    <dgm:pt modelId="{4F94ED1B-FA8F-41EC-BEE5-5DC860F28A95}" type="pres">
+      <dgm:prSet presAssocID="{7B7FC90A-ED92-4616-93CD-EAE433C48397}" presName="iconRect" presStyleLbl="node1" presStyleIdx="0" presStyleCnt="4"/>
+      <dgm:spPr>
+        <a:blipFill>
+          <a:blip xmlns:r="http://schemas.openxmlformats.org/officeDocument/2006/relationships" r:embed="rId1">
+            <a:extLst>
+              <a:ext uri="{28A0092B-C50C-407E-A947-70E740481C1C}">
+                <a14:useLocalDpi xmlns:a14="http://schemas.microsoft.com/office/drawing/2010/main" val="0"/>
+              </a:ext>
+              <a:ext uri="{96DAC541-7B7A-43D3-8B79-37D633B846F1}">
+                <asvg:svgBlip xmlns:asvg="http://schemas.microsoft.com/office/drawing/2016/SVG/main" r:embed="rId2"/>
+              </a:ext>
+            </a:extLst>
+          </a:blip>
+          <a:stretch>
+            <a:fillRect/>
+          </a:stretch>
+        </a:blipFill>
+        <a:ln>
+          <a:noFill/>
+        </a:ln>
+      </dgm:spPr>
+      <dgm:extLst>
+        <a:ext uri="{E40237B7-FDA0-4F09-8148-C483321AD2D9}">
+          <dgm14:cNvPr xmlns:dgm14="http://schemas.microsoft.com/office/drawing/2010/diagram" id="0" name="" descr="Database"/>
+        </a:ext>
+      </dgm:extLst>
+    </dgm:pt>
+    <dgm:pt modelId="{34BEC825-C938-45E6-A7C1-92D7AA279E42}" type="pres">
+      <dgm:prSet presAssocID="{7B7FC90A-ED92-4616-93CD-EAE433C48397}" presName="spaceRect" presStyleCnt="0"/>
+      <dgm:spPr/>
+    </dgm:pt>
+    <dgm:pt modelId="{22F04648-87AA-4045-89BA-D479EB3E425A}" type="pres">
+      <dgm:prSet presAssocID="{7B7FC90A-ED92-4616-93CD-EAE433C48397}" presName="parTx" presStyleLbl="revTx" presStyleIdx="0" presStyleCnt="4">
+        <dgm:presLayoutVars>
+          <dgm:chMax val="0"/>
+          <dgm:chPref val="0"/>
+        </dgm:presLayoutVars>
+      </dgm:prSet>
+      <dgm:spPr/>
+    </dgm:pt>
+    <dgm:pt modelId="{5439F671-D7E6-4F36-94FA-CEE1A618EAAC}" type="pres">
+      <dgm:prSet presAssocID="{EFC781D3-4193-4B7C-8BF4-80494F76632F}" presName="sibTrans" presStyleCnt="0"/>
+      <dgm:spPr/>
+    </dgm:pt>
+    <dgm:pt modelId="{45E4ECE4-D9C0-4680-BEE1-89CA21C9FA57}" type="pres">
+      <dgm:prSet presAssocID="{BF5CE357-0B98-41AC-AD6A-381C621E1254}" presName="compNode" presStyleCnt="0"/>
+      <dgm:spPr/>
+    </dgm:pt>
+    <dgm:pt modelId="{ADFE69FD-8E2C-4C58-B1BD-FDC678743ED5}" type="pres">
+      <dgm:prSet presAssocID="{BF5CE357-0B98-41AC-AD6A-381C621E1254}" presName="bgRect" presStyleLbl="bgShp" presStyleIdx="1" presStyleCnt="4"/>
+      <dgm:spPr/>
+    </dgm:pt>
+    <dgm:pt modelId="{B0609788-C4B6-47F8-9A51-7BC1500B9532}" type="pres">
+      <dgm:prSet presAssocID="{BF5CE357-0B98-41AC-AD6A-381C621E1254}" presName="iconRect" presStyleLbl="node1" presStyleIdx="1" presStyleCnt="4"/>
+      <dgm:spPr>
+        <a:blipFill>
+          <a:blip xmlns:r="http://schemas.openxmlformats.org/officeDocument/2006/relationships" r:embed="rId3">
+            <a:extLst>
+              <a:ext uri="{28A0092B-C50C-407E-A947-70E740481C1C}">
+                <a14:useLocalDpi xmlns:a14="http://schemas.microsoft.com/office/drawing/2010/main" val="0"/>
+              </a:ext>
+              <a:ext uri="{96DAC541-7B7A-43D3-8B79-37D633B846F1}">
+                <asvg:svgBlip xmlns:asvg="http://schemas.microsoft.com/office/drawing/2016/SVG/main" r:embed="rId4"/>
+              </a:ext>
+            </a:extLst>
+          </a:blip>
+          <a:stretch>
+            <a:fillRect/>
+          </a:stretch>
+        </a:blipFill>
+        <a:ln>
+          <a:noFill/>
+        </a:ln>
+      </dgm:spPr>
+      <dgm:extLst>
+        <a:ext uri="{E40237B7-FDA0-4F09-8148-C483321AD2D9}">
+          <dgm14:cNvPr xmlns:dgm14="http://schemas.microsoft.com/office/drawing/2010/diagram" id="0" name="" descr="Warning"/>
+        </a:ext>
+      </dgm:extLst>
+    </dgm:pt>
+    <dgm:pt modelId="{B46859DB-45CE-4694-AAC6-1F5EFF5789F0}" type="pres">
+      <dgm:prSet presAssocID="{BF5CE357-0B98-41AC-AD6A-381C621E1254}" presName="spaceRect" presStyleCnt="0"/>
+      <dgm:spPr/>
+    </dgm:pt>
+    <dgm:pt modelId="{C4911CA3-3005-4081-8D9E-A761710972BB}" type="pres">
+      <dgm:prSet presAssocID="{BF5CE357-0B98-41AC-AD6A-381C621E1254}" presName="parTx" presStyleLbl="revTx" presStyleIdx="1" presStyleCnt="4">
+        <dgm:presLayoutVars>
+          <dgm:chMax val="0"/>
+          <dgm:chPref val="0"/>
+        </dgm:presLayoutVars>
+      </dgm:prSet>
+      <dgm:spPr/>
+    </dgm:pt>
+    <dgm:pt modelId="{20C426F6-AB6B-454C-87AB-2E7516ACB6DB}" type="pres">
+      <dgm:prSet presAssocID="{90A02448-2E90-4E00-A252-33AA63C2206C}" presName="sibTrans" presStyleCnt="0"/>
+      <dgm:spPr/>
+    </dgm:pt>
+    <dgm:pt modelId="{A3A48AA4-F0D9-41A8-B3F1-4E0B5FBA5532}" type="pres">
+      <dgm:prSet presAssocID="{A20FFB2A-7AAA-4246-9C3A-71ED0E96DC04}" presName="compNode" presStyleCnt="0"/>
+      <dgm:spPr/>
+    </dgm:pt>
+    <dgm:pt modelId="{B547EC6E-9F46-455F-B691-6F5405A617CC}" type="pres">
+      <dgm:prSet presAssocID="{A20FFB2A-7AAA-4246-9C3A-71ED0E96DC04}" presName="bgRect" presStyleLbl="bgShp" presStyleIdx="2" presStyleCnt="4"/>
+      <dgm:spPr/>
+    </dgm:pt>
+    <dgm:pt modelId="{802160B7-84DE-4A50-BBD3-50CB02D6EEC3}" type="pres">
+      <dgm:prSet presAssocID="{A20FFB2A-7AAA-4246-9C3A-71ED0E96DC04}" presName="iconRect" presStyleLbl="node1" presStyleIdx="2" presStyleCnt="4"/>
+      <dgm:spPr>
+        <a:blipFill>
+          <a:blip xmlns:r="http://schemas.openxmlformats.org/officeDocument/2006/relationships" r:embed="rId5">
+            <a:extLst>
+              <a:ext uri="{28A0092B-C50C-407E-A947-70E740481C1C}">
+                <a14:useLocalDpi xmlns:a14="http://schemas.microsoft.com/office/drawing/2010/main" val="0"/>
+              </a:ext>
+              <a:ext uri="{96DAC541-7B7A-43D3-8B79-37D633B846F1}">
+                <asvg:svgBlip xmlns:asvg="http://schemas.microsoft.com/office/drawing/2016/SVG/main" r:embed="rId6"/>
+              </a:ext>
+            </a:extLst>
+          </a:blip>
+          <a:stretch>
+            <a:fillRect/>
+          </a:stretch>
+        </a:blipFill>
+        <a:ln>
+          <a:noFill/>
+        </a:ln>
+      </dgm:spPr>
+      <dgm:extLst>
+        <a:ext uri="{E40237B7-FDA0-4F09-8148-C483321AD2D9}">
+          <dgm14:cNvPr xmlns:dgm14="http://schemas.microsoft.com/office/drawing/2010/diagram" id="0" name="" descr="Checkmark"/>
+        </a:ext>
+      </dgm:extLst>
+    </dgm:pt>
+    <dgm:pt modelId="{4FF2C70E-9091-49F5-8411-7D07AF125FF7}" type="pres">
+      <dgm:prSet presAssocID="{A20FFB2A-7AAA-4246-9C3A-71ED0E96DC04}" presName="spaceRect" presStyleCnt="0"/>
+      <dgm:spPr/>
+    </dgm:pt>
+    <dgm:pt modelId="{5D7D71D2-50F0-44AE-B429-0347BF172392}" type="pres">
+      <dgm:prSet presAssocID="{A20FFB2A-7AAA-4246-9C3A-71ED0E96DC04}" presName="parTx" presStyleLbl="revTx" presStyleIdx="2" presStyleCnt="4">
+        <dgm:presLayoutVars>
+          <dgm:chMax val="0"/>
+          <dgm:chPref val="0"/>
+        </dgm:presLayoutVars>
+      </dgm:prSet>
+      <dgm:spPr/>
+    </dgm:pt>
+    <dgm:pt modelId="{B0305FE2-7FB3-46A1-8558-6E6B3400212B}" type="pres">
+      <dgm:prSet presAssocID="{04643744-CC03-4AC1-97A1-6CA86EC5ED27}" presName="sibTrans" presStyleCnt="0"/>
+      <dgm:spPr/>
+    </dgm:pt>
+    <dgm:pt modelId="{F9441ED1-1BC7-43A7-AD83-B1C9ABBCEE30}" type="pres">
+      <dgm:prSet presAssocID="{CE7EC4D2-0718-4F92-9F11-C14B202F61FA}" presName="compNode" presStyleCnt="0"/>
+      <dgm:spPr/>
+    </dgm:pt>
+    <dgm:pt modelId="{ED20FA58-B13C-4A77-A32A-784909CD2483}" type="pres">
+      <dgm:prSet presAssocID="{CE7EC4D2-0718-4F92-9F11-C14B202F61FA}" presName="bgRect" presStyleLbl="bgShp" presStyleIdx="3" presStyleCnt="4"/>
+      <dgm:spPr/>
+    </dgm:pt>
+    <dgm:pt modelId="{1F0EB67D-F6AB-4DE4-BC35-77077B9C43D6}" type="pres">
+      <dgm:prSet presAssocID="{CE7EC4D2-0718-4F92-9F11-C14B202F61FA}" presName="iconRect" presStyleLbl="node1" presStyleIdx="3" presStyleCnt="4"/>
+      <dgm:spPr>
+        <a:blipFill>
+          <a:blip xmlns:r="http://schemas.openxmlformats.org/officeDocument/2006/relationships" r:embed="rId7">
+            <a:extLst>
+              <a:ext uri="{28A0092B-C50C-407E-A947-70E740481C1C}">
+                <a14:useLocalDpi xmlns:a14="http://schemas.microsoft.com/office/drawing/2010/main" val="0"/>
+              </a:ext>
+              <a:ext uri="{96DAC541-7B7A-43D3-8B79-37D633B846F1}">
+                <asvg:svgBlip xmlns:asvg="http://schemas.microsoft.com/office/drawing/2016/SVG/main" r:embed="rId8"/>
+              </a:ext>
+            </a:extLst>
+          </a:blip>
+          <a:stretch>
+            <a:fillRect/>
+          </a:stretch>
+        </a:blipFill>
+        <a:ln>
+          <a:noFill/>
+        </a:ln>
+      </dgm:spPr>
+      <dgm:extLst>
+        <a:ext uri="{E40237B7-FDA0-4F09-8148-C483321AD2D9}">
+          <dgm14:cNvPr xmlns:dgm14="http://schemas.microsoft.com/office/drawing/2010/diagram" id="0" name="" descr="Right Pointing Backhand Index"/>
+        </a:ext>
+      </dgm:extLst>
+    </dgm:pt>
+    <dgm:pt modelId="{B5F01C8D-8397-4AA9-9ACD-85A48B4FA61B}" type="pres">
+      <dgm:prSet presAssocID="{CE7EC4D2-0718-4F92-9F11-C14B202F61FA}" presName="spaceRect" presStyleCnt="0"/>
+      <dgm:spPr/>
+    </dgm:pt>
+    <dgm:pt modelId="{330ED460-5DD3-48E7-A044-1DFB7604D68B}" type="pres">
+      <dgm:prSet presAssocID="{CE7EC4D2-0718-4F92-9F11-C14B202F61FA}" presName="parTx" presStyleLbl="revTx" presStyleIdx="3" presStyleCnt="4">
+        <dgm:presLayoutVars>
+          <dgm:chMax val="0"/>
+          <dgm:chPref val="0"/>
+        </dgm:presLayoutVars>
+      </dgm:prSet>
+      <dgm:spPr/>
+    </dgm:pt>
+  </dgm:ptLst>
+  <dgm:cxnLst>
+    <dgm:cxn modelId="{91887104-87AF-4E66-9D4D-60B9819C2053}" type="presOf" srcId="{A20FFB2A-7AAA-4246-9C3A-71ED0E96DC04}" destId="{5D7D71D2-50F0-44AE-B429-0347BF172392}" srcOrd="0" destOrd="0" presId="urn:microsoft.com/office/officeart/2018/2/layout/IconVerticalSolidList"/>
+    <dgm:cxn modelId="{6F07AE15-D905-4F56-95D0-E45AD084B3CF}" type="presOf" srcId="{7B7FC90A-ED92-4616-93CD-EAE433C48397}" destId="{22F04648-87AA-4045-89BA-D479EB3E425A}" srcOrd="0" destOrd="0" presId="urn:microsoft.com/office/officeart/2018/2/layout/IconVerticalSolidList"/>
+    <dgm:cxn modelId="{B5226521-5F1A-4765-B3E6-E6FC8CAB44D4}" srcId="{FFC7F8DA-70D8-4643-987E-7B9A27E61F1A}" destId="{CE7EC4D2-0718-4F92-9F11-C14B202F61FA}" srcOrd="3" destOrd="0" parTransId="{0C404714-6B9F-4E61-AD0D-E824D971A055}" sibTransId="{5006F55A-FD1A-4E84-B19F-D432DC93C76E}"/>
+    <dgm:cxn modelId="{F78EEF6D-FAFA-4A22-84C0-6B47633EF0AC}" srcId="{FFC7F8DA-70D8-4643-987E-7B9A27E61F1A}" destId="{7B7FC90A-ED92-4616-93CD-EAE433C48397}" srcOrd="0" destOrd="0" parTransId="{00B2B9EF-2327-45FD-9790-8E9D337B7ABF}" sibTransId="{EFC781D3-4193-4B7C-8BF4-80494F76632F}"/>
+    <dgm:cxn modelId="{0FFDEA7D-8894-415E-B7D6-78E63369DFA3}" srcId="{FFC7F8DA-70D8-4643-987E-7B9A27E61F1A}" destId="{BF5CE357-0B98-41AC-AD6A-381C621E1254}" srcOrd="1" destOrd="0" parTransId="{0616B727-2E0D-48FB-A7B0-4AFBAE48C6E0}" sibTransId="{90A02448-2E90-4E00-A252-33AA63C2206C}"/>
+    <dgm:cxn modelId="{CF2AA5AC-C467-4E00-92E1-B829D7C20DEE}" type="presOf" srcId="{FFC7F8DA-70D8-4643-987E-7B9A27E61F1A}" destId="{570FB6C7-0FE3-4A22-A0CD-5519869C98D3}" srcOrd="0" destOrd="0" presId="urn:microsoft.com/office/officeart/2018/2/layout/IconVerticalSolidList"/>
+    <dgm:cxn modelId="{7F35A9B3-1095-495A-ACA1-110C0F3DC105}" srcId="{FFC7F8DA-70D8-4643-987E-7B9A27E61F1A}" destId="{A20FFB2A-7AAA-4246-9C3A-71ED0E96DC04}" srcOrd="2" destOrd="0" parTransId="{D830A899-79A9-4707-A750-FC99EE24A0A2}" sibTransId="{04643744-CC03-4AC1-97A1-6CA86EC5ED27}"/>
+    <dgm:cxn modelId="{8F2D5DCF-BAC8-4BDB-8138-7DF561C93DFB}" type="presOf" srcId="{BF5CE357-0B98-41AC-AD6A-381C621E1254}" destId="{C4911CA3-3005-4081-8D9E-A761710972BB}" srcOrd="0" destOrd="0" presId="urn:microsoft.com/office/officeart/2018/2/layout/IconVerticalSolidList"/>
+    <dgm:cxn modelId="{D254F0D1-E97A-41E4-8974-6E255012E6DB}" type="presOf" srcId="{CE7EC4D2-0718-4F92-9F11-C14B202F61FA}" destId="{330ED460-5DD3-48E7-A044-1DFB7604D68B}" srcOrd="0" destOrd="0" presId="urn:microsoft.com/office/officeart/2018/2/layout/IconVerticalSolidList"/>
+    <dgm:cxn modelId="{A58EDFDA-2D20-442C-A331-62185B447858}" type="presParOf" srcId="{570FB6C7-0FE3-4A22-A0CD-5519869C98D3}" destId="{40177140-845D-4C77-A478-4BD50E0C036C}" srcOrd="0" destOrd="0" presId="urn:microsoft.com/office/officeart/2018/2/layout/IconVerticalSolidList"/>
+    <dgm:cxn modelId="{2D076733-17BA-4DF7-BE83-C0ED8F1C547A}" type="presParOf" srcId="{40177140-845D-4C77-A478-4BD50E0C036C}" destId="{1EA39EE4-FF43-40FF-8CA6-9C96446D5B94}" srcOrd="0" destOrd="0" presId="urn:microsoft.com/office/officeart/2018/2/layout/IconVerticalSolidList"/>
+    <dgm:cxn modelId="{0A6354DB-DD62-4D08-B682-54FCB638287C}" type="presParOf" srcId="{40177140-845D-4C77-A478-4BD50E0C036C}" destId="{4F94ED1B-FA8F-41EC-BEE5-5DC860F28A95}" srcOrd="1" destOrd="0" presId="urn:microsoft.com/office/officeart/2018/2/layout/IconVerticalSolidList"/>
+    <dgm:cxn modelId="{C9821FF2-5545-4F1D-B885-6F4ACCDF2BBE}" type="presParOf" srcId="{40177140-845D-4C77-A478-4BD50E0C036C}" destId="{34BEC825-C938-45E6-A7C1-92D7AA279E42}" srcOrd="2" destOrd="0" presId="urn:microsoft.com/office/officeart/2018/2/layout/IconVerticalSolidList"/>
+    <dgm:cxn modelId="{9FE83B7F-C26F-4EA1-B57C-283EE3E61D7F}" type="presParOf" srcId="{40177140-845D-4C77-A478-4BD50E0C036C}" destId="{22F04648-87AA-4045-89BA-D479EB3E425A}" srcOrd="3" destOrd="0" presId="urn:microsoft.com/office/officeart/2018/2/layout/IconVerticalSolidList"/>
+    <dgm:cxn modelId="{DFF1FAE8-35F0-42A0-8F4E-488844AF9EF1}" type="presParOf" srcId="{570FB6C7-0FE3-4A22-A0CD-5519869C98D3}" destId="{5439F671-D7E6-4F36-94FA-CEE1A618EAAC}" srcOrd="1" destOrd="0" presId="urn:microsoft.com/office/officeart/2018/2/layout/IconVerticalSolidList"/>
+    <dgm:cxn modelId="{DFF2A854-81F4-4735-8F8A-9CD8B01B9E21}" type="presParOf" srcId="{570FB6C7-0FE3-4A22-A0CD-5519869C98D3}" destId="{45E4ECE4-D9C0-4680-BEE1-89CA21C9FA57}" srcOrd="2" destOrd="0" presId="urn:microsoft.com/office/officeart/2018/2/layout/IconVerticalSolidList"/>
+    <dgm:cxn modelId="{3A45922F-8FD8-43F8-B984-9AE66FA1CCA2}" type="presParOf" srcId="{45E4ECE4-D9C0-4680-BEE1-89CA21C9FA57}" destId="{ADFE69FD-8E2C-4C58-B1BD-FDC678743ED5}" srcOrd="0" destOrd="0" presId="urn:microsoft.com/office/officeart/2018/2/layout/IconVerticalSolidList"/>
+    <dgm:cxn modelId="{8BCAFD86-64E9-405F-9DA7-2B0AA6EB7BDC}" type="presParOf" srcId="{45E4ECE4-D9C0-4680-BEE1-89CA21C9FA57}" destId="{B0609788-C4B6-47F8-9A51-7BC1500B9532}" srcOrd="1" destOrd="0" presId="urn:microsoft.com/office/officeart/2018/2/layout/IconVerticalSolidList"/>
+    <dgm:cxn modelId="{EC0CB1FA-645E-4359-B099-BBC91BB0BEA9}" type="presParOf" srcId="{45E4ECE4-D9C0-4680-BEE1-89CA21C9FA57}" destId="{B46859DB-45CE-4694-AAC6-1F5EFF5789F0}" srcOrd="2" destOrd="0" presId="urn:microsoft.com/office/officeart/2018/2/layout/IconVerticalSolidList"/>
+    <dgm:cxn modelId="{2E648BBD-8114-4BE8-B0D7-2EEBB5C41271}" type="presParOf" srcId="{45E4ECE4-D9C0-4680-BEE1-89CA21C9FA57}" destId="{C4911CA3-3005-4081-8D9E-A761710972BB}" srcOrd="3" destOrd="0" presId="urn:microsoft.com/office/officeart/2018/2/layout/IconVerticalSolidList"/>
+    <dgm:cxn modelId="{A18EB7B8-EDB0-4DF0-8D4F-F5AB4332D01E}" type="presParOf" srcId="{570FB6C7-0FE3-4A22-A0CD-5519869C98D3}" destId="{20C426F6-AB6B-454C-87AB-2E7516ACB6DB}" srcOrd="3" destOrd="0" presId="urn:microsoft.com/office/officeart/2018/2/layout/IconVerticalSolidList"/>
+    <dgm:cxn modelId="{EC962739-B20C-49D3-8A26-78A85B5C3641}" type="presParOf" srcId="{570FB6C7-0FE3-4A22-A0CD-5519869C98D3}" destId="{A3A48AA4-F0D9-41A8-B3F1-4E0B5FBA5532}" srcOrd="4" destOrd="0" presId="urn:microsoft.com/office/officeart/2018/2/layout/IconVerticalSolidList"/>
+    <dgm:cxn modelId="{68116975-280A-4871-855E-B073D1C6F444}" type="presParOf" srcId="{A3A48AA4-F0D9-41A8-B3F1-4E0B5FBA5532}" destId="{B547EC6E-9F46-455F-B691-6F5405A617CC}" srcOrd="0" destOrd="0" presId="urn:microsoft.com/office/officeart/2018/2/layout/IconVerticalSolidList"/>
+    <dgm:cxn modelId="{2D87B34E-C96C-43D4-A5F5-DF2807D2E27C}" type="presParOf" srcId="{A3A48AA4-F0D9-41A8-B3F1-4E0B5FBA5532}" destId="{802160B7-84DE-4A50-BBD3-50CB02D6EEC3}" srcOrd="1" destOrd="0" presId="urn:microsoft.com/office/officeart/2018/2/layout/IconVerticalSolidList"/>
+    <dgm:cxn modelId="{802EAA47-8F8F-489B-B100-49356FA3AD7B}" type="presParOf" srcId="{A3A48AA4-F0D9-41A8-B3F1-4E0B5FBA5532}" destId="{4FF2C70E-9091-49F5-8411-7D07AF125FF7}" srcOrd="2" destOrd="0" presId="urn:microsoft.com/office/officeart/2018/2/layout/IconVerticalSolidList"/>
+    <dgm:cxn modelId="{ECBE98C7-DA1D-473E-8C74-D5633BBF205B}" type="presParOf" srcId="{A3A48AA4-F0D9-41A8-B3F1-4E0B5FBA5532}" destId="{5D7D71D2-50F0-44AE-B429-0347BF172392}" srcOrd="3" destOrd="0" presId="urn:microsoft.com/office/officeart/2018/2/layout/IconVerticalSolidList"/>
+    <dgm:cxn modelId="{F4FD4DAE-DD9F-4505-8802-3B17C88E7C46}" type="presParOf" srcId="{570FB6C7-0FE3-4A22-A0CD-5519869C98D3}" destId="{B0305FE2-7FB3-46A1-8558-6E6B3400212B}" srcOrd="5" destOrd="0" presId="urn:microsoft.com/office/officeart/2018/2/layout/IconVerticalSolidList"/>
+    <dgm:cxn modelId="{260E1D43-7B6C-4742-A638-5368EC8A6BDC}" type="presParOf" srcId="{570FB6C7-0FE3-4A22-A0CD-5519869C98D3}" destId="{F9441ED1-1BC7-43A7-AD83-B1C9ABBCEE30}" srcOrd="6" destOrd="0" presId="urn:microsoft.com/office/officeart/2018/2/layout/IconVerticalSolidList"/>
+    <dgm:cxn modelId="{B4123FA7-D0CC-49AC-9C81-D73C58FECCD4}" type="presParOf" srcId="{F9441ED1-1BC7-43A7-AD83-B1C9ABBCEE30}" destId="{ED20FA58-B13C-4A77-A32A-784909CD2483}" srcOrd="0" destOrd="0" presId="urn:microsoft.com/office/officeart/2018/2/layout/IconVerticalSolidList"/>
+    <dgm:cxn modelId="{A526B04E-AB5A-4447-B744-CB8F2EA4A5B9}" type="presParOf" srcId="{F9441ED1-1BC7-43A7-AD83-B1C9ABBCEE30}" destId="{1F0EB67D-F6AB-4DE4-BC35-77077B9C43D6}" srcOrd="1" destOrd="0" presId="urn:microsoft.com/office/officeart/2018/2/layout/IconVerticalSolidList"/>
+    <dgm:cxn modelId="{5F58AC3A-E6A4-412E-A31C-7F82B23FFC84}" type="presParOf" srcId="{F9441ED1-1BC7-43A7-AD83-B1C9ABBCEE30}" destId="{B5F01C8D-8397-4AA9-9ACD-85A48B4FA61B}" srcOrd="2" destOrd="0" presId="urn:microsoft.com/office/officeart/2018/2/layout/IconVerticalSolidList"/>
+    <dgm:cxn modelId="{370D4A75-4102-42E4-BCB4-4626BE2BE646}" type="presParOf" srcId="{F9441ED1-1BC7-43A7-AD83-B1C9ABBCEE30}" destId="{330ED460-5DD3-48E7-A044-1DFB7604D68B}" srcOrd="3" destOrd="0" presId="urn:microsoft.com/office/officeart/2018/2/layout/IconVerticalSolidList"/>
+  </dgm:cxnLst>
+  <dgm:bg/>
+  <dgm:whole/>
+  <dgm:extLst>
+    <a:ext uri="http://schemas.microsoft.com/office/drawing/2008/diagram">
+      <dsp:dataModelExt xmlns:dsp="http://schemas.microsoft.com/office/drawing/2008/diagram" relId="rId8" minVer="http://schemas.openxmlformats.org/drawingml/2006/diagram"/>
+    </a:ext>
+  </dgm:extLst>
+</dgm:dataModel>
+</file>
+
+<file path=ppt/diagrams/drawing1.xml><?xml version="1.0" encoding="utf-8"?>
+<dsp:drawing xmlns:dgm="http://schemas.openxmlformats.org/drawingml/2006/diagram" xmlns:dsp="http://schemas.microsoft.com/office/drawing/2008/diagram" xmlns:a="http://schemas.openxmlformats.org/drawingml/2006/main">
+  <dsp:spTree>
+    <dsp:nvGrpSpPr>
+      <dsp:cNvPr id="0" name=""/>
+      <dsp:cNvGrpSpPr/>
+    </dsp:nvGrpSpPr>
+    <dsp:grpSpPr/>
+    <dsp:sp modelId="{1EA39EE4-FF43-40FF-8CA6-9C96446D5B94}">
+      <dsp:nvSpPr>
+        <dsp:cNvPr id="0" name=""/>
+        <dsp:cNvSpPr/>
+      </dsp:nvSpPr>
+      <dsp:spPr>
+        <a:xfrm>
+          <a:off x="0" y="2315"/>
+          <a:ext cx="6261100" cy="1173440"/>
+        </a:xfrm>
+        <a:prstGeom prst="roundRect">
+          <a:avLst>
+            <a:gd name="adj" fmla="val 10000"/>
+          </a:avLst>
+        </a:prstGeom>
+        <a:solidFill>
+          <a:schemeClr val="accent2">
+            <a:hueOff val="0"/>
+            <a:satOff val="0"/>
+            <a:lumOff val="0"/>
+            <a:alphaOff val="0"/>
+          </a:schemeClr>
+        </a:solidFill>
+        <a:ln>
+          <a:noFill/>
+        </a:ln>
+        <a:effectLst/>
+      </dsp:spPr>
+      <dsp:style>
+        <a:lnRef idx="0">
+          <a:scrgbClr r="0" g="0" b="0"/>
+        </a:lnRef>
+        <a:fillRef idx="1">
+          <a:scrgbClr r="0" g="0" b="0"/>
+        </a:fillRef>
+        <a:effectRef idx="2">
+          <a:scrgbClr r="0" g="0" b="0"/>
+        </a:effectRef>
+        <a:fontRef idx="minor"/>
+      </dsp:style>
+    </dsp:sp>
+    <dsp:sp modelId="{4F94ED1B-FA8F-41EC-BEE5-5DC860F28A95}">
+      <dsp:nvSpPr>
+        <dsp:cNvPr id="0" name=""/>
+        <dsp:cNvSpPr/>
+      </dsp:nvSpPr>
+      <dsp:spPr>
+        <a:xfrm>
+          <a:off x="354965" y="266339"/>
+          <a:ext cx="645392" cy="645392"/>
+        </a:xfrm>
+        <a:prstGeom prst="rect">
+          <a:avLst/>
+        </a:prstGeom>
+        <a:blipFill>
+          <a:blip xmlns:r="http://schemas.openxmlformats.org/officeDocument/2006/relationships" r:embed="rId1">
+            <a:extLst>
+              <a:ext uri="{28A0092B-C50C-407E-A947-70E740481C1C}">
+                <a14:useLocalDpi xmlns:a14="http://schemas.microsoft.com/office/drawing/2010/main" val="0"/>
+              </a:ext>
+              <a:ext uri="{96DAC541-7B7A-43D3-8B79-37D633B846F1}">
+                <asvg:svgBlip xmlns:asvg="http://schemas.microsoft.com/office/drawing/2016/SVG/main" r:embed="rId2"/>
+              </a:ext>
+            </a:extLst>
+          </a:blip>
+          <a:stretch>
+            <a:fillRect/>
+          </a:stretch>
+        </a:blipFill>
+        <a:ln>
+          <a:noFill/>
+        </a:ln>
+        <a:effectLst/>
+      </dsp:spPr>
+      <dsp:style>
+        <a:lnRef idx="0">
+          <a:scrgbClr r="0" g="0" b="0"/>
+        </a:lnRef>
+        <a:fillRef idx="3">
+          <a:scrgbClr r="0" g="0" b="0"/>
+        </a:fillRef>
+        <a:effectRef idx="2">
+          <a:scrgbClr r="0" g="0" b="0"/>
+        </a:effectRef>
+        <a:fontRef idx="minor">
+          <a:schemeClr val="lt1"/>
+        </a:fontRef>
+      </dsp:style>
+    </dsp:sp>
+    <dsp:sp modelId="{22F04648-87AA-4045-89BA-D479EB3E425A}">
+      <dsp:nvSpPr>
+        <dsp:cNvPr id="0" name=""/>
+        <dsp:cNvSpPr/>
+      </dsp:nvSpPr>
+      <dsp:spPr>
+        <a:xfrm>
+          <a:off x="1355324" y="2315"/>
+          <a:ext cx="4905775" cy="1173440"/>
+        </a:xfrm>
+        <a:prstGeom prst="rect">
+          <a:avLst/>
+        </a:prstGeom>
+        <a:noFill/>
+        <a:ln>
+          <a:noFill/>
+        </a:ln>
+        <a:effectLst/>
+      </dsp:spPr>
+      <dsp:style>
+        <a:lnRef idx="0">
+          <a:scrgbClr r="0" g="0" b="0"/>
+        </a:lnRef>
+        <a:fillRef idx="0">
+          <a:scrgbClr r="0" g="0" b="0"/>
+        </a:fillRef>
+        <a:effectRef idx="0">
+          <a:scrgbClr r="0" g="0" b="0"/>
+        </a:effectRef>
+        <a:fontRef idx="minor"/>
+      </dsp:style>
+      <dsp:txBody>
+        <a:bodyPr spcFirstLastPara="0" vert="horz" wrap="square" lIns="124189" tIns="124189" rIns="124189" bIns="124189" numCol="1" spcCol="1270" anchor="ctr" anchorCtr="0">
+          <a:noAutofit/>
+        </a:bodyPr>
+        <a:lstStyle/>
+        <a:p>
+          <a:pPr marL="0" lvl="0" indent="0" algn="l" defTabSz="755650">
+            <a:lnSpc>
+              <a:spcPct val="90000"/>
+            </a:lnSpc>
+            <a:spcBef>
+              <a:spcPct val="0"/>
+            </a:spcBef>
+            <a:spcAft>
+              <a:spcPct val="35000"/>
+            </a:spcAft>
+            <a:buNone/>
+          </a:pPr>
+          <a:r>
+            <a:rPr lang="en-US" sz="1700" kern="1200"/>
+            <a:t>My app accepts a .csv file given by the user (since Kmeans will return an error on non-numeric and NA/NaN data, the app will remove these on its own)</a:t>
+          </a:r>
+        </a:p>
+      </dsp:txBody>
+      <dsp:txXfrm>
+        <a:off x="1355324" y="2315"/>
+        <a:ext cx="4905775" cy="1173440"/>
+      </dsp:txXfrm>
+    </dsp:sp>
+    <dsp:sp modelId="{ADFE69FD-8E2C-4C58-B1BD-FDC678743ED5}">
+      <dsp:nvSpPr>
+        <dsp:cNvPr id="0" name=""/>
+        <dsp:cNvSpPr/>
+      </dsp:nvSpPr>
+      <dsp:spPr>
+        <a:xfrm>
+          <a:off x="0" y="1469116"/>
+          <a:ext cx="6261100" cy="1173440"/>
+        </a:xfrm>
+        <a:prstGeom prst="roundRect">
+          <a:avLst>
+            <a:gd name="adj" fmla="val 10000"/>
+          </a:avLst>
+        </a:prstGeom>
+        <a:solidFill>
+          <a:schemeClr val="accent3">
+            <a:hueOff val="0"/>
+            <a:satOff val="0"/>
+            <a:lumOff val="0"/>
+            <a:alphaOff val="0"/>
+          </a:schemeClr>
+        </a:solidFill>
+        <a:ln>
+          <a:noFill/>
+        </a:ln>
+        <a:effectLst/>
+      </dsp:spPr>
+      <dsp:style>
+        <a:lnRef idx="0">
+          <a:scrgbClr r="0" g="0" b="0"/>
+        </a:lnRef>
+        <a:fillRef idx="1">
+          <a:scrgbClr r="0" g="0" b="0"/>
+        </a:fillRef>
+        <a:effectRef idx="2">
+          <a:scrgbClr r="0" g="0" b="0"/>
+        </a:effectRef>
+        <a:fontRef idx="minor"/>
+      </dsp:style>
+    </dsp:sp>
+    <dsp:sp modelId="{B0609788-C4B6-47F8-9A51-7BC1500B9532}">
+      <dsp:nvSpPr>
+        <dsp:cNvPr id="0" name=""/>
+        <dsp:cNvSpPr/>
+      </dsp:nvSpPr>
+      <dsp:spPr>
+        <a:xfrm>
+          <a:off x="354965" y="1733140"/>
+          <a:ext cx="645392" cy="645392"/>
+        </a:xfrm>
+        <a:prstGeom prst="rect">
+          <a:avLst/>
+        </a:prstGeom>
+        <a:blipFill>
+          <a:blip xmlns:r="http://schemas.openxmlformats.org/officeDocument/2006/relationships" r:embed="rId3">
+            <a:extLst>
+              <a:ext uri="{28A0092B-C50C-407E-A947-70E740481C1C}">
+                <a14:useLocalDpi xmlns:a14="http://schemas.microsoft.com/office/drawing/2010/main" val="0"/>
+              </a:ext>
+              <a:ext uri="{96DAC541-7B7A-43D3-8B79-37D633B846F1}">
+                <asvg:svgBlip xmlns:asvg="http://schemas.microsoft.com/office/drawing/2016/SVG/main" r:embed="rId4"/>
+              </a:ext>
+            </a:extLst>
+          </a:blip>
+          <a:stretch>
+            <a:fillRect/>
+          </a:stretch>
+        </a:blipFill>
+        <a:ln>
+          <a:noFill/>
+        </a:ln>
+        <a:effectLst/>
+      </dsp:spPr>
+      <dsp:style>
+        <a:lnRef idx="0">
+          <a:scrgbClr r="0" g="0" b="0"/>
+        </a:lnRef>
+        <a:fillRef idx="3">
+          <a:scrgbClr r="0" g="0" b="0"/>
+        </a:fillRef>
+        <a:effectRef idx="2">
+          <a:scrgbClr r="0" g="0" b="0"/>
+        </a:effectRef>
+        <a:fontRef idx="minor">
+          <a:schemeClr val="lt1"/>
+        </a:fontRef>
+      </dsp:style>
+    </dsp:sp>
+    <dsp:sp modelId="{C4911CA3-3005-4081-8D9E-A761710972BB}">
+      <dsp:nvSpPr>
+        <dsp:cNvPr id="0" name=""/>
+        <dsp:cNvSpPr/>
+      </dsp:nvSpPr>
+      <dsp:spPr>
+        <a:xfrm>
+          <a:off x="1355324" y="1469116"/>
+          <a:ext cx="4905775" cy="1173440"/>
+        </a:xfrm>
+        <a:prstGeom prst="rect">
+          <a:avLst/>
+        </a:prstGeom>
+        <a:noFill/>
+        <a:ln>
+          <a:noFill/>
+        </a:ln>
+        <a:effectLst/>
+      </dsp:spPr>
+      <dsp:style>
+        <a:lnRef idx="0">
+          <a:scrgbClr r="0" g="0" b="0"/>
+        </a:lnRef>
+        <a:fillRef idx="0">
+          <a:scrgbClr r="0" g="0" b="0"/>
+        </a:fillRef>
+        <a:effectRef idx="0">
+          <a:scrgbClr r="0" g="0" b="0"/>
+        </a:effectRef>
+        <a:fontRef idx="minor"/>
+      </dsp:style>
+      <dsp:txBody>
+        <a:bodyPr spcFirstLastPara="0" vert="horz" wrap="square" lIns="124189" tIns="124189" rIns="124189" bIns="124189" numCol="1" spcCol="1270" anchor="ctr" anchorCtr="0">
+          <a:noAutofit/>
+        </a:bodyPr>
+        <a:lstStyle/>
+        <a:p>
+          <a:pPr marL="0" lvl="0" indent="0" algn="l" defTabSz="755650">
+            <a:lnSpc>
+              <a:spcPct val="90000"/>
+            </a:lnSpc>
+            <a:spcBef>
+              <a:spcPct val="0"/>
+            </a:spcBef>
+            <a:spcAft>
+              <a:spcPct val="35000"/>
+            </a:spcAft>
+            <a:buNone/>
+          </a:pPr>
+          <a:r>
+            <a:rPr lang="en-US" sz="1700" kern="1200" dirty="0"/>
+            <a:t>The next tab allows the user to view the data to make sure it was loaded correctly</a:t>
+          </a:r>
+        </a:p>
+      </dsp:txBody>
+      <dsp:txXfrm>
+        <a:off x="1355324" y="1469116"/>
+        <a:ext cx="4905775" cy="1173440"/>
+      </dsp:txXfrm>
+    </dsp:sp>
+    <dsp:sp modelId="{B547EC6E-9F46-455F-B691-6F5405A617CC}">
+      <dsp:nvSpPr>
+        <dsp:cNvPr id="0" name=""/>
+        <dsp:cNvSpPr/>
+      </dsp:nvSpPr>
+      <dsp:spPr>
+        <a:xfrm>
+          <a:off x="0" y="2935917"/>
+          <a:ext cx="6261100" cy="1173440"/>
+        </a:xfrm>
+        <a:prstGeom prst="roundRect">
+          <a:avLst>
+            <a:gd name="adj" fmla="val 10000"/>
+          </a:avLst>
+        </a:prstGeom>
+        <a:solidFill>
+          <a:schemeClr val="accent4">
+            <a:hueOff val="0"/>
+            <a:satOff val="0"/>
+            <a:lumOff val="0"/>
+            <a:alphaOff val="0"/>
+          </a:schemeClr>
+        </a:solidFill>
+        <a:ln>
+          <a:noFill/>
+        </a:ln>
+        <a:effectLst/>
+      </dsp:spPr>
+      <dsp:style>
+        <a:lnRef idx="0">
+          <a:scrgbClr r="0" g="0" b="0"/>
+        </a:lnRef>
+        <a:fillRef idx="1">
+          <a:scrgbClr r="0" g="0" b="0"/>
+        </a:fillRef>
+        <a:effectRef idx="2">
+          <a:scrgbClr r="0" g="0" b="0"/>
+        </a:effectRef>
+        <a:fontRef idx="minor"/>
+      </dsp:style>
+    </dsp:sp>
+    <dsp:sp modelId="{802160B7-84DE-4A50-BBD3-50CB02D6EEC3}">
+      <dsp:nvSpPr>
+        <dsp:cNvPr id="0" name=""/>
+        <dsp:cNvSpPr/>
+      </dsp:nvSpPr>
+      <dsp:spPr>
+        <a:xfrm>
+          <a:off x="354965" y="3199941"/>
+          <a:ext cx="645392" cy="645392"/>
+        </a:xfrm>
+        <a:prstGeom prst="rect">
+          <a:avLst/>
+        </a:prstGeom>
+        <a:blipFill>
+          <a:blip xmlns:r="http://schemas.openxmlformats.org/officeDocument/2006/relationships" r:embed="rId5">
+            <a:extLst>
+              <a:ext uri="{28A0092B-C50C-407E-A947-70E740481C1C}">
+                <a14:useLocalDpi xmlns:a14="http://schemas.microsoft.com/office/drawing/2010/main" val="0"/>
+              </a:ext>
+              <a:ext uri="{96DAC541-7B7A-43D3-8B79-37D633B846F1}">
+                <asvg:svgBlip xmlns:asvg="http://schemas.microsoft.com/office/drawing/2016/SVG/main" r:embed="rId6"/>
+              </a:ext>
+            </a:extLst>
+          </a:blip>
+          <a:stretch>
+            <a:fillRect/>
+          </a:stretch>
+        </a:blipFill>
+        <a:ln>
+          <a:noFill/>
+        </a:ln>
+        <a:effectLst/>
+      </dsp:spPr>
+      <dsp:style>
+        <a:lnRef idx="0">
+          <a:scrgbClr r="0" g="0" b="0"/>
+        </a:lnRef>
+        <a:fillRef idx="3">
+          <a:scrgbClr r="0" g="0" b="0"/>
+        </a:fillRef>
+        <a:effectRef idx="2">
+          <a:scrgbClr r="0" g="0" b="0"/>
+        </a:effectRef>
+        <a:fontRef idx="minor">
+          <a:schemeClr val="lt1"/>
+        </a:fontRef>
+      </dsp:style>
+    </dsp:sp>
+    <dsp:sp modelId="{5D7D71D2-50F0-44AE-B429-0347BF172392}">
+      <dsp:nvSpPr>
+        <dsp:cNvPr id="0" name=""/>
+        <dsp:cNvSpPr/>
+      </dsp:nvSpPr>
+      <dsp:spPr>
+        <a:xfrm>
+          <a:off x="1355324" y="2935917"/>
+          <a:ext cx="4905775" cy="1173440"/>
+        </a:xfrm>
+        <a:prstGeom prst="rect">
+          <a:avLst/>
+        </a:prstGeom>
+        <a:noFill/>
+        <a:ln>
+          <a:noFill/>
+        </a:ln>
+        <a:effectLst/>
+      </dsp:spPr>
+      <dsp:style>
+        <a:lnRef idx="0">
+          <a:scrgbClr r="0" g="0" b="0"/>
+        </a:lnRef>
+        <a:fillRef idx="0">
+          <a:scrgbClr r="0" g="0" b="0"/>
+        </a:fillRef>
+        <a:effectRef idx="0">
+          <a:scrgbClr r="0" g="0" b="0"/>
+        </a:effectRef>
+        <a:fontRef idx="minor"/>
+      </dsp:style>
+      <dsp:txBody>
+        <a:bodyPr spcFirstLastPara="0" vert="horz" wrap="square" lIns="124189" tIns="124189" rIns="124189" bIns="124189" numCol="1" spcCol="1270" anchor="ctr" anchorCtr="0">
+          <a:noAutofit/>
+        </a:bodyPr>
+        <a:lstStyle/>
+        <a:p>
+          <a:pPr marL="0" lvl="0" indent="0" algn="l" defTabSz="755650">
+            <a:lnSpc>
+              <a:spcPct val="90000"/>
+            </a:lnSpc>
+            <a:spcBef>
+              <a:spcPct val="0"/>
+            </a:spcBef>
+            <a:spcAft>
+              <a:spcPct val="35000"/>
+            </a:spcAft>
+            <a:buNone/>
+          </a:pPr>
+          <a:r>
+            <a:rPr lang="en-US" sz="1700" kern="1200" dirty="0"/>
+            <a:t>Then it plots an elbow test of the data to show the optimal number of clusters to use for K-Means clustering </a:t>
+          </a:r>
+        </a:p>
+      </dsp:txBody>
+      <dsp:txXfrm>
+        <a:off x="1355324" y="2935917"/>
+        <a:ext cx="4905775" cy="1173440"/>
+      </dsp:txXfrm>
+    </dsp:sp>
+    <dsp:sp modelId="{ED20FA58-B13C-4A77-A32A-784909CD2483}">
+      <dsp:nvSpPr>
+        <dsp:cNvPr id="0" name=""/>
+        <dsp:cNvSpPr/>
+      </dsp:nvSpPr>
+      <dsp:spPr>
+        <a:xfrm>
+          <a:off x="0" y="4402718"/>
+          <a:ext cx="6261100" cy="1173440"/>
+        </a:xfrm>
+        <a:prstGeom prst="roundRect">
+          <a:avLst>
+            <a:gd name="adj" fmla="val 10000"/>
+          </a:avLst>
+        </a:prstGeom>
+        <a:solidFill>
+          <a:schemeClr val="accent5">
+            <a:hueOff val="0"/>
+            <a:satOff val="0"/>
+            <a:lumOff val="0"/>
+            <a:alphaOff val="0"/>
+          </a:schemeClr>
+        </a:solidFill>
+        <a:ln>
+          <a:noFill/>
+        </a:ln>
+        <a:effectLst/>
+      </dsp:spPr>
+      <dsp:style>
+        <a:lnRef idx="0">
+          <a:scrgbClr r="0" g="0" b="0"/>
+        </a:lnRef>
+        <a:fillRef idx="1">
+          <a:scrgbClr r="0" g="0" b="0"/>
+        </a:fillRef>
+        <a:effectRef idx="2">
+          <a:scrgbClr r="0" g="0" b="0"/>
+        </a:effectRef>
+        <a:fontRef idx="minor"/>
+      </dsp:style>
+    </dsp:sp>
+    <dsp:sp modelId="{1F0EB67D-F6AB-4DE4-BC35-77077B9C43D6}">
+      <dsp:nvSpPr>
+        <dsp:cNvPr id="0" name=""/>
+        <dsp:cNvSpPr/>
+      </dsp:nvSpPr>
+      <dsp:spPr>
+        <a:xfrm>
+          <a:off x="354965" y="4666742"/>
+          <a:ext cx="645392" cy="645392"/>
+        </a:xfrm>
+        <a:prstGeom prst="rect">
+          <a:avLst/>
+        </a:prstGeom>
+        <a:blipFill>
+          <a:blip xmlns:r="http://schemas.openxmlformats.org/officeDocument/2006/relationships" r:embed="rId7">
+            <a:extLst>
+              <a:ext uri="{28A0092B-C50C-407E-A947-70E740481C1C}">
+                <a14:useLocalDpi xmlns:a14="http://schemas.microsoft.com/office/drawing/2010/main" val="0"/>
+              </a:ext>
+              <a:ext uri="{96DAC541-7B7A-43D3-8B79-37D633B846F1}">
+                <asvg:svgBlip xmlns:asvg="http://schemas.microsoft.com/office/drawing/2016/SVG/main" r:embed="rId8"/>
+              </a:ext>
+            </a:extLst>
+          </a:blip>
+          <a:stretch>
+            <a:fillRect/>
+          </a:stretch>
+        </a:blipFill>
+        <a:ln>
+          <a:noFill/>
+        </a:ln>
+        <a:effectLst/>
+      </dsp:spPr>
+      <dsp:style>
+        <a:lnRef idx="0">
+          <a:scrgbClr r="0" g="0" b="0"/>
+        </a:lnRef>
+        <a:fillRef idx="3">
+          <a:scrgbClr r="0" g="0" b="0"/>
+        </a:fillRef>
+        <a:effectRef idx="2">
+          <a:scrgbClr r="0" g="0" b="0"/>
+        </a:effectRef>
+        <a:fontRef idx="minor">
+          <a:schemeClr val="lt1"/>
+        </a:fontRef>
+      </dsp:style>
+    </dsp:sp>
+    <dsp:sp modelId="{330ED460-5DD3-48E7-A044-1DFB7604D68B}">
+      <dsp:nvSpPr>
+        <dsp:cNvPr id="0" name=""/>
+        <dsp:cNvSpPr/>
+      </dsp:nvSpPr>
+      <dsp:spPr>
+        <a:xfrm>
+          <a:off x="1355324" y="4402718"/>
+          <a:ext cx="4905775" cy="1173440"/>
+        </a:xfrm>
+        <a:prstGeom prst="rect">
+          <a:avLst/>
+        </a:prstGeom>
+        <a:noFill/>
+        <a:ln>
+          <a:noFill/>
+        </a:ln>
+        <a:effectLst/>
+      </dsp:spPr>
+      <dsp:style>
+        <a:lnRef idx="0">
+          <a:scrgbClr r="0" g="0" b="0"/>
+        </a:lnRef>
+        <a:fillRef idx="0">
+          <a:scrgbClr r="0" g="0" b="0"/>
+        </a:fillRef>
+        <a:effectRef idx="0">
+          <a:scrgbClr r="0" g="0" b="0"/>
+        </a:effectRef>
+        <a:fontRef idx="minor"/>
+      </dsp:style>
+      <dsp:txBody>
+        <a:bodyPr spcFirstLastPara="0" vert="horz" wrap="square" lIns="124189" tIns="124189" rIns="124189" bIns="124189" numCol="1" spcCol="1270" anchor="ctr" anchorCtr="0">
+          <a:noAutofit/>
+        </a:bodyPr>
+        <a:lstStyle/>
+        <a:p>
+          <a:pPr marL="0" lvl="0" indent="0" algn="l" defTabSz="755650">
+            <a:lnSpc>
+              <a:spcPct val="90000"/>
+            </a:lnSpc>
+            <a:spcBef>
+              <a:spcPct val="0"/>
+            </a:spcBef>
+            <a:spcAft>
+              <a:spcPct val="35000"/>
+            </a:spcAft>
+            <a:buNone/>
+          </a:pPr>
+          <a:r>
+            <a:rPr lang="en-US" sz="1700" kern="1200"/>
+            <a:t>Finally it does K-Means Clustering and shows the resulting plot. There is a slider to allow the user to change the number of clusters K.</a:t>
+          </a:r>
+        </a:p>
+      </dsp:txBody>
+      <dsp:txXfrm>
+        <a:off x="1355324" y="4402718"/>
+        <a:ext cx="4905775" cy="1173440"/>
+      </dsp:txXfrm>
+    </dsp:sp>
+  </dsp:spTree>
+</dsp:drawing>
+</file>
+
+<file path=ppt/diagrams/layout1.xml><?xml version="1.0" encoding="utf-8"?>
+<dgm:layoutDef xmlns:dgm="http://schemas.openxmlformats.org/drawingml/2006/diagram" xmlns:a="http://schemas.openxmlformats.org/drawingml/2006/main" uniqueId="urn:microsoft.com/office/officeart/2018/2/layout/IconVerticalSolidList">
+  <dgm:title val="Icon Vertical Solid List"/>
+  <dgm:desc val="Use to show a series of visuals from top to bottom with Level 1 or Level 1 and Level 2 text grouped in a shape. Works best with icons or small pictures with lengthier descriptions."/>
+  <dgm:catLst>
+    <dgm:cat type="icon" pri="500"/>
+  </dgm:catLst>
+  <dgm:sampData useDef="1">
+    <dgm:dataModel>
+      <dgm:ptLst/>
+      <dgm:bg/>
+      <dgm:whole/>
+    </dgm:dataModel>
+  </dgm:sampData>
+  <dgm:styleData useDef="1">
+    <dgm:dataModel>
+      <dgm:ptLst/>
+      <dgm:bg/>
+      <dgm:whole/>
+    </dgm:dataModel>
+  </dgm:styleData>
+  <dgm:clrData useDef="1">
+    <dgm:dataModel>
+      <dgm:ptLst/>
+      <dgm:bg/>
+      <dgm:whole/>
+    </dgm:dataModel>
+  </dgm:clrData>
+  <dgm:layoutNode name="root">
+    <dgm:varLst>
+      <dgm:dir/>
+      <dgm:resizeHandles val="exact"/>
+    </dgm:varLst>
+    <dgm:choose name="Name0">
+      <dgm:if name="Name1" axis="self" func="var" arg="dir" op="equ" val="norm">
+        <dgm:alg type="lin">
+          <dgm:param type="linDir" val="fromT"/>
+          <dgm:param type="nodeHorzAlign" val="l"/>
+        </dgm:alg>
+      </dgm:if>
+      <dgm:else name="Name2">
+        <dgm:alg type="lin">
+          <dgm:param type="linDir" val="fromT"/>
+          <dgm:param type="nodeHorzAlign" val="r"/>
+        </dgm:alg>
+      </dgm:else>
+    </dgm:choose>
+    <dgm:shape xmlns:r="http://schemas.openxmlformats.org/officeDocument/2006/relationships" r:blip="">
+      <dgm:adjLst/>
+    </dgm:shape>
+    <dgm:presOf/>
+    <dgm:choose name="Name3">
+      <dgm:if name="Name4" axis="ch" ptType="node" func="cnt" op="lte" val="3">
+        <dgm:constrLst>
+          <dgm:constr type="h" for="ch" forName="compNode" refType="h" fact="0.3"/>
+          <dgm:constr type="w" for="ch" forName="compNode" refType="w"/>
+          <dgm:constr type="h" for="ch" forName="sibTrans" refType="h" refFor="ch" refForName="compNode" fact="0.25"/>
+          <dgm:constr type="primFontSz" for="des" forName="parTx" val="25"/>
+          <dgm:constr type="primFontSz" for="des" forName="desTx" refType="primFontSz" refFor="des" refForName="parTx" op="lte" fact="0.75"/>
+          <dgm:constr type="h" for="des" forName="compNode" op="equ"/>
+          <dgm:constr type="h" for="des" forName="bgRect" op="equ"/>
+          <dgm:constr type="h" for="des" forName="iconRect" op="equ"/>
+          <dgm:constr type="w" for="des" forName="iconRect" op="equ"/>
+          <dgm:constr type="h" for="des" forName="spaceRect" op="equ"/>
+          <dgm:constr type="h" for="des" forName="parTx" op="equ"/>
+          <dgm:constr type="h" for="des" forName="desTx" op="equ"/>
+        </dgm:constrLst>
+      </dgm:if>
+      <dgm:if name="Name5" axis="ch" ptType="node" func="cnt" op="lte" val="4">
+        <dgm:constrLst>
+          <dgm:constr type="h" for="ch" forName="compNode" refType="h" fact="0.3"/>
+          <dgm:constr type="w" for="ch" forName="compNode" refType="w"/>
+          <dgm:constr type="h" for="ch" forName="sibTrans" refType="h" refFor="ch" refForName="compNode" fact="0.25"/>
+          <dgm:constr type="primFontSz" for="des" forName="parTx" val="22"/>
+          <dgm:constr type="primFontSz" for="des" forName="desTx" refType="primFontSz" refFor="des" refForName="parTx" op="lte" fact="0.75"/>
+          <dgm:constr type="h" for="des" forName="compNode" op="equ"/>
+          <dgm:constr type="h" for="des" forName="bgRect" op="equ"/>
+          <dgm:constr type="h" for="des" forName="iconRect" op="equ"/>
+          <dgm:constr type="w" for="des" forName="iconRect" op="equ"/>
+          <dgm:constr type="h" for="des" forName="spaceRect" op="equ"/>
+          <dgm:constr type="h" for="des" forName="parTx" op="equ"/>
+          <dgm:constr type="h" for="des" forName="desTx" op="equ"/>
+        </dgm:constrLst>
+      </dgm:if>
+      <dgm:if name="Name6" axis="ch" ptType="node" func="cnt" op="lte" val="6">
+        <dgm:constrLst>
+          <dgm:constr type="h" for="ch" forName="compNode" refType="h" fact="0.3"/>
+          <dgm:constr type="w" for="ch" forName="compNode" refType="w"/>
+          <dgm:constr type="h" for="ch" forName="sibTrans" refType="h" refFor="ch" refForName="compNode" fact="0.25"/>
+          <dgm:constr type="primFontSz" for="des" forName="parTx" val="19"/>
+          <dgm:constr type="primFontSz" for="des" forName="desTx" refType="primFontSz" refFor="des" refForName="parTx" op="lte" fact="0.75"/>
+          <dgm:constr type="h" for="des" forName="compNode" op="equ"/>
+          <dgm:constr type="h" for="des" forName="bgRect" op="equ"/>
+          <dgm:constr type="h" for="des" forName="iconRect" op="equ"/>
+          <dgm:constr type="w" for="des" forName="iconRect" op="equ"/>
+          <dgm:constr type="h" for="des" forName="spaceRect" op="equ"/>
+          <dgm:constr type="h" for="des" forName="parTx" op="equ"/>
+          <dgm:constr type="h" for="des" forName="desTx" op="equ"/>
+        </dgm:constrLst>
+      </dgm:if>
+      <dgm:else name="Name7">
+        <dgm:constrLst>
+          <dgm:constr type="h" for="ch" forName="compNode" refType="h" fact="0.3"/>
+          <dgm:constr type="w" for="ch" forName="compNode" refType="w"/>
+          <dgm:constr type="h" for="ch" forName="sibTrans" refType="h" refFor="ch" refForName="compNode" fact="0.25"/>
+          <dgm:constr type="primFontSz" for="des" forName="parTx" val="16"/>
+          <dgm:constr type="primFontSz" for="des" forName="desTx" refType="primFontSz" refFor="des" refForName="parTx" op="lte" fact="0.75"/>
+          <dgm:constr type="h" for="des" forName="compNode" op="equ"/>
+          <dgm:constr type="h" for="des" forName="bgRect" op="equ"/>
+          <dgm:constr type="h" for="des" forName="iconRect" op="equ"/>
+          <dgm:constr type="w" for="des" forName="iconRect" op="equ"/>
+          <dgm:constr type="h" for="des" forName="spaceRect" op="equ"/>
+          <dgm:constr type="h" for="des" forName="parTx" op="equ"/>
+          <dgm:constr type="h" for="des" forName="desTx" op="equ"/>
+        </dgm:constrLst>
+      </dgm:else>
+    </dgm:choose>
+    <dgm:ruleLst>
+      <dgm:rule type="h" for="ch" forName="compNode" val="0" fact="NaN" max="NaN"/>
+    </dgm:ruleLst>
+    <dgm:forEach name="Name8" axis="ch" ptType="node">
+      <dgm:layoutNode name="compNode">
+        <dgm:alg type="composite"/>
+        <dgm:shape xmlns:r="http://schemas.openxmlformats.org/officeDocument/2006/relationships" r:blip="">
+          <dgm:adjLst/>
+        </dgm:shape>
+        <dgm:presOf axis="self"/>
+        <dgm:choose name="Name9">
+          <dgm:if name="Name10" axis="ch" ptType="node" func="cnt" op="gte" val="1">
+            <dgm:constrLst>
+              <dgm:constr type="w" for="ch" forName="bgRect" refType="w"/>
+              <dgm:constr type="h" for="ch" forName="bgRect" refType="h"/>
+              <dgm:constr type="l" for="ch" forName="bgRect"/>
+              <dgm:constr type="t" for="ch" forName="bgRect"/>
+              <dgm:constr type="h" for="ch" forName="iconRect" refType="h" fact="0.55"/>
+              <dgm:constr type="w" for="ch" forName="iconRect" refType="h" refFor="ch" refForName="iconRect"/>
+              <dgm:constr type="l" for="ch" forName="iconRect" refType="h" refFor="ch" refForName="iconRect" fact="0.55"/>
+              <dgm:constr type="ctrY" for="ch" forName="iconRect" refType="ctrY" refFor="ch" refForName="bgRect"/>
+              <dgm:constr type="w" for="ch" forName="spaceRect" refType="l" refFor="ch" refForName="iconRect"/>
+              <dgm:constr type="h" for="ch" forName="spaceRect" refType="h"/>
+              <dgm:constr type="l" for="ch" forName="spaceRect" refType="r" refFor="ch" refForName="iconRect"/>
+              <dgm:constr type="t" for="ch" forName="spaceRect"/>
+              <dgm:constr type="w" for="ch" forName="parTx" refType="w" fact="0.45"/>
+              <dgm:constr type="h" for="ch" forName="parTx" refType="h"/>
+              <dgm:constr type="l" for="ch" forName="parTx" refType="r" refFor="ch" refForName="spaceRect"/>
+              <dgm:constr type="t" for="ch" forName="parTx"/>
+              <dgm:constr type="h" for="ch" forName="desTx" refType="h"/>
+              <dgm:constr type="l" for="ch" forName="desTx" refType="r" refFor="ch" refForName="parTx"/>
+              <dgm:constr type="t" for="ch" forName="desTx"/>
+            </dgm:constrLst>
+          </dgm:if>
+          <dgm:else name="Name11">
+            <dgm:constrLst>
+              <dgm:constr type="w" for="ch" forName="bgRect" refType="w"/>
+              <dgm:constr type="h" for="ch" forName="bgRect" refType="h"/>
+              <dgm:constr type="l" for="ch" forName="bgRect"/>
+              <dgm:constr type="t" for="ch" forName="bgRect"/>
+              <dgm:constr type="h" for="ch" forName="iconRect" refType="h" fact="0.55"/>
+              <dgm:constr type="w" for="ch" forName="iconRect" refType="h" refFor="ch" refForName="iconRect"/>
+              <dgm:constr type="l" for="ch" forName="iconRect" refType="h" refFor="ch" refForName="iconRect" fact="0.55"/>
+              <dgm:constr type="ctrY" for="ch" forName="iconRect" refType="ctrY" refFor="ch" refForName="bgRect"/>
+              <dgm:constr type="w" for="ch" forName="spaceRect" refType="l" refFor="ch" refForName="iconRect"/>
+              <dgm:constr type="h" for="ch" forName="spaceRect" refType="h"/>
+              <dgm:constr type="l" for="ch" forName="spaceRect" refType="r" refFor="ch" refForName="iconRect"/>
+              <dgm:constr type="t" for="ch" forName="spaceRect"/>
+              <dgm:constr type="h" for="ch" forName="parTx" refType="h"/>
+              <dgm:constr type="l" for="ch" forName="parTx" refType="r" refFor="ch" refForName="spaceRect"/>
+              <dgm:constr type="t" for="ch" forName="parTx"/>
+            </dgm:constrLst>
+          </dgm:else>
+        </dgm:choose>
+        <dgm:ruleLst>
+          <dgm:rule type="h" val="INF" fact="NaN" max="NaN"/>
+        </dgm:ruleLst>
+        <dgm:layoutNode name="bgRect" styleLbl="bgShp">
+          <dgm:alg type="sp"/>
+          <dgm:shape xmlns:r="http://schemas.openxmlformats.org/officeDocument/2006/relationships" type="roundRect" r:blip="">
+            <dgm:adjLst>
+              <dgm:adj idx="1" val="0.1"/>
+            </dgm:adjLst>
+          </dgm:shape>
+          <dgm:presOf/>
+          <dgm:constrLst/>
+          <dgm:ruleLst/>
+        </dgm:layoutNode>
+        <dgm:layoutNode name="iconRect" styleLbl="node1">
+          <dgm:alg type="sp"/>
+          <dgm:shape xmlns:r="http://schemas.openxmlformats.org/officeDocument/2006/relationships" type="rect" r:blip="" blipPhldr="1">
+            <dgm:adjLst/>
+          </dgm:shape>
+          <dgm:presOf/>
+          <dgm:constrLst/>
+          <dgm:ruleLst/>
+        </dgm:layoutNode>
+        <dgm:layoutNode name="spaceRect">
+          <dgm:alg type="sp"/>
+          <dgm:shape xmlns:r="http://schemas.openxmlformats.org/officeDocument/2006/relationships" r:blip="">
+            <dgm:adjLst/>
+          </dgm:shape>
+          <dgm:presOf/>
+          <dgm:constrLst/>
+          <dgm:ruleLst/>
+        </dgm:layoutNode>
+        <dgm:layoutNode name="parTx" styleLbl="revTx">
+          <dgm:varLst>
+            <dgm:chMax val="0"/>
+            <dgm:chPref val="0"/>
+          </dgm:varLst>
+          <dgm:alg type="tx">
+            <dgm:param type="txAnchorVert" val="mid"/>
+            <dgm:param type="parTxLTRAlign" val="l"/>
+            <dgm:param type="shpTxLTRAlignCh" val="l"/>
+            <dgm:param type="parTxRTLAlign" val="r"/>
+            <dgm:param type="shpTxRTLAlignCh" val="r"/>
+          </dgm:alg>
+          <dgm:shape xmlns:r="http://schemas.openxmlformats.org/officeDocument/2006/relationships" type="rect" r:blip="">
+            <dgm:adjLst/>
+          </dgm:shape>
+          <dgm:presOf axis="self" ptType="node"/>
+          <dgm:constrLst>
+            <dgm:constr type="lMarg" refType="h" fact="0.3"/>
+            <dgm:constr type="rMarg" refType="h" fact="0.3"/>
+            <dgm:constr type="tMarg" refType="h" fact="0.3"/>
+            <dgm:constr type="bMarg" refType="h" fact="0.3"/>
+          </dgm:constrLst>
+          <dgm:ruleLst>
+            <dgm:rule type="primFontSz" val="14" fact="NaN" max="NaN"/>
+            <dgm:rule type="h" val="INF" fact="NaN" max="NaN"/>
+          </dgm:ruleLst>
+        </dgm:layoutNode>
+        <dgm:choose name="Name12">
+          <dgm:if name="Name13" axis="ch" ptType="node" func="cnt" op="gte" val="1">
+            <dgm:layoutNode name="desTx" styleLbl="revTx">
+              <dgm:varLst/>
+              <dgm:alg type="tx">
+                <dgm:param type="txAnchorVertCh" val="mid"/>
+                <dgm:param type="parTxLTRAlign" val="l"/>
+                <dgm:param type="shpTxLTRAlignCh" val="l"/>
+                <dgm:param type="parTxRTLAlign" val="r"/>
+                <dgm:param type="shpTxRTLAlignCh" val="r"/>
+                <dgm:param type="stBulletLvl" val="0"/>
+              </dgm:alg>
+              <dgm:shape xmlns:r="http://schemas.openxmlformats.org/officeDocument/2006/relationships" type="rect" r:blip="">
+                <dgm:adjLst/>
+              </dgm:shape>
+              <dgm:presOf axis="des" ptType="node"/>
+              <dgm:constrLst>
+                <dgm:constr type="primFontSz" val="18"/>
+                <dgm:constr type="secFontSz" refType="primFontSz"/>
+                <dgm:constr type="lMarg" refType="h" fact="0.3"/>
+                <dgm:constr type="rMarg" refType="h" fact="0.3"/>
+                <dgm:constr type="tMarg" refType="h" fact="0.3"/>
+                <dgm:constr type="bMarg" refType="h" fact="0.3"/>
+              </dgm:constrLst>
+              <dgm:ruleLst>
+                <dgm:rule type="primFontSz" val="11" fact="NaN" max="NaN"/>
+              </dgm:ruleLst>
+            </dgm:layoutNode>
+          </dgm:if>
+          <dgm:else name="Name14"/>
+        </dgm:choose>
+      </dgm:layoutNode>
+      <dgm:forEach name="Name15" axis="followSib" ptType="sibTrans" cnt="1">
+        <dgm:layoutNode name="sibTrans">
+          <dgm:alg type="sp"/>
+          <dgm:shape xmlns:r="http://schemas.openxmlformats.org/officeDocument/2006/relationships" r:blip="">
+            <dgm:adjLst/>
+          </dgm:shape>
+          <dgm:presOf axis="self"/>
+          <dgm:constrLst/>
+          <dgm:ruleLst/>
+        </dgm:layoutNode>
+      </dgm:forEach>
+    </dgm:forEach>
+  </dgm:layoutNode>
+  <dgm:extLst>
+    <a:ext uri="{68A01E43-0DF5-4B5B-8FA6-DAF915123BFB}">
+      <dgm1612:lstStyle xmlns:dgm1612="http://schemas.microsoft.com/office/drawing/2016/12/diagram">
+        <a:lvl1pPr>
+          <a:lnSpc>
+            <a:spcPct val="100000"/>
+          </a:lnSpc>
+        </a:lvl1pPr>
+        <a:lvl2pPr>
+          <a:lnSpc>
+            <a:spcPct val="100000"/>
+          </a:lnSpc>
+        </a:lvl2pPr>
+      </dgm1612:lstStyle>
+    </a:ext>
+  </dgm:extLst>
+</dgm:layoutDef>
+</file>
+
+<file path=ppt/diagrams/quickStyle1.xml><?xml version="1.0" encoding="utf-8"?>
+<dgm:styleDef xmlns:dgm="http://schemas.openxmlformats.org/drawingml/2006/diagram" xmlns:a="http://schemas.openxmlformats.org/drawingml/2006/main" uniqueId="urn:microsoft.com/office/officeart/2005/8/quickstyle/simple4">
+  <dgm:title val=""/>
+  <dgm:desc val=""/>
+  <dgm:catLst>
+    <dgm:cat type="simple" pri="10400"/>
+  </dgm:catLst>
+  <dgm:scene3d>
+    <a:camera prst="orthographicFront"/>
+    <a:lightRig rig="threePt" dir="t"/>
+  </dgm:scene3d>
+  <dgm:styleLbl name="node0">
+    <dgm:scene3d>
+      <a:camera prst="orthographicFront"/>
+      <a:lightRig rig="threePt" dir="t"/>
+    </dgm:scene3d>
+    <dgm:sp3d/>
+    <dgm:txPr/>
+    <dgm:style>
+      <a:lnRef idx="0">
+        <a:scrgbClr r="0" g="0" b="0"/>
+      </a:lnRef>
+      <a:fillRef idx="3">
+        <a:scrgbClr r="0" g="0" b="0"/>
+      </a:fillRef>
+      <a:effectRef idx="2">
+        <a:scrgbClr r="0" g="0" b="0"/>
+      </a:effectRef>
+      <a:fontRef idx="minor">
+        <a:schemeClr val="lt1"/>
+      </a:fontRef>
+    </dgm:style>
+  </dgm:styleLbl>
+  <dgm:styleLbl name="lnNode1">
+    <dgm:scene3d>
+      <a:camera prst="orthographicFront"/>
+      <a:lightRig rig="threePt" dir="t"/>
+    </dgm:scene3d>
+    <dgm:sp3d/>
+    <dgm:txPr/>
+    <dgm:style>
+      <a:lnRef idx="1">
+        <a:scrgbClr r="0" g="0" b="0"/>
+      </a:lnRef>
+      <a:fillRef idx="3">
+        <a:scrgbClr r="0" g="0" b="0"/>
+      </a:fillRef>
+      <a:effectRef idx="2">
+        <a:scrgbClr r="0" g="0" b="0"/>
+      </a:effectRef>
+      <a:fontRef idx="minor">
+        <a:schemeClr val="lt1"/>
+      </a:fontRef>
+    </dgm:style>
+  </dgm:styleLbl>
+  <dgm:styleLbl name="vennNode1">
+    <dgm:scene3d>
+      <a:camera prst="orthographicFront"/>
+      <a:lightRig rig="threePt" dir="t"/>
+    </dgm:scene3d>
+    <dgm:sp3d/>
+    <dgm:txPr/>
+    <dgm:style>
+      <a:lnRef idx="0">
+        <a:scrgbClr r="0" g="0" b="0"/>
+      </a:lnRef>
+      <a:fillRef idx="3">
+        <a:scrgbClr r="0" g="0" b="0"/>
+      </a:fillRef>
+      <a:effectRef idx="0">
+        <a:scrgbClr r="0" g="0" b="0"/>
+      </a:effectRef>
+      <a:fontRef idx="minor">
+        <a:schemeClr val="tx1"/>
+      </a:fontRef>
+    </dgm:style>
+  </dgm:styleLbl>
+  <dgm:styleLbl name="alignNode1">
+    <dgm:scene3d>
+      <a:camera prst="orthographicFront"/>
+      <a:lightRig rig="threePt" dir="t"/>
+    </dgm:scene3d>
+    <dgm:sp3d/>
+    <dgm:txPr/>
+    <dgm:style>
+      <a:lnRef idx="1">
+        <a:scrgbClr r="0" g="0" b="0"/>
+      </a:lnRef>
+      <a:fillRef idx="3">
+        <a:scrgbClr r="0" g="0" b="0"/>
+      </a:fillRef>
+      <a:effectRef idx="2">
+        <a:scrgbClr r="0" g="0" b="0"/>
+      </a:effectRef>
+      <a:fontRef idx="minor">
+        <a:schemeClr val="lt1"/>
+      </a:fontRef>
+    </dgm:style>
+  </dgm:styleLbl>
+  <dgm:styleLbl name="node1">
+    <dgm:scene3d>
+      <a:camera prst="orthographicFront"/>
+      <a:lightRig rig="threePt" dir="t"/>
+    </dgm:scene3d>
+    <dgm:sp3d/>
+    <dgm:txPr/>
+    <dgm:style>
+      <a:lnRef idx="0">
+        <a:scrgbClr r="0" g="0" b="0"/>
+      </a:lnRef>
+      <a:fillRef idx="3">
+        <a:scrgbClr r="0" g="0" b="0"/>
+      </a:fillRef>
+      <a:effectRef idx="2">
+        <a:scrgbClr r="0" g="0" b="0"/>
+      </a:effectRef>
+      <a:fontRef idx="minor">
+        <a:schemeClr val="lt1"/>
+      </a:fontRef>
+    </dgm:style>
+  </dgm:styleLbl>
+  <dgm:styleLbl name="node2">
+    <dgm:scene3d>
+      <a:camera prst="orthographicFront"/>
+      <a:lightRig rig="threePt" dir="t"/>
+    </dgm:scene3d>
+    <dgm:sp3d/>
+    <dgm:txPr/>
+    <dgm:style>
+      <a:lnRef idx="0">
+        <a:scrgbClr r="0" g="0" b="0"/>
+      </a:lnRef>
+      <a:fillRef idx="3">
+        <a:scrgbClr r="0" g="0" b="0"/>
+      </a:fillRef>
+      <a:effectRef idx="2">
+        <a:scrgbClr r="0" g="0" b="0"/>
+      </a:effectRef>
+      <a:fontRef idx="minor">
+        <a:schemeClr val="lt1"/>
+      </a:fontRef>
+    </dgm:style>
+  </dgm:styleLbl>
+  <dgm:styleLbl name="node3">
+    <dgm:scene3d>
+      <a:camera prst="orthographicFront"/>
+      <a:lightRig rig="threePt" dir="t"/>
+    </dgm:scene3d>
+    <dgm:sp3d/>
+    <dgm:txPr/>
+    <dgm:style>
+      <a:lnRef idx="0">
+        <a:scrgbClr r="0" g="0" b="0"/>
+      </a:lnRef>
+      <a:fillRef idx="3">
+        <a:scrgbClr r="0" g="0" b="0"/>
+      </a:fillRef>
+      <a:effectRef idx="2">
+        <a:scrgbClr r="0" g="0" b="0"/>
+      </a:effectRef>
+      <a:fontRef idx="minor">
+        <a:schemeClr val="lt1"/>
+      </a:fontRef>
+    </dgm:style>
+  </dgm:styleLbl>
+  <dgm:styleLbl name="node4">
+    <dgm:scene3d>
+      <a:camera prst="orthographicFront"/>
+      <a:lightRig rig="threePt" dir="t"/>
+    </dgm:scene3d>
+    <dgm:sp3d/>
+    <dgm:txPr/>
+    <dgm:style>
+      <a:lnRef idx="0">
+        <a:scrgbClr r="0" g="0" b="0"/>
+      </a:lnRef>
+      <a:fillRef idx="3">
+        <a:scrgbClr r="0" g="0" b="0"/>
+      </a:fillRef>
+      <a:effectRef idx="2">
+        <a:scrgbClr r="0" g="0" b="0"/>
+      </a:effectRef>
+      <a:fontRef idx="minor">
+        <a:schemeClr val="lt1"/>
+      </a:fontRef>
+    </dgm:style>
+  </dgm:styleLbl>
+  <dgm:styleLbl name="fgImgPlace1">
+    <dgm:scene3d>
+      <a:camera prst="orthographicFront"/>
+      <a:lightRig rig="threePt" dir="t"/>
+    </dgm:scene3d>
+    <dgm:sp3d/>
+    <dgm:txPr/>
+    <dgm:style>
+      <a:lnRef idx="0">
+        <a:scrgbClr r="0" g="0" b="0"/>
+      </a:lnRef>
+      <a:fillRef idx="1">
+        <a:scrgbClr r="0" g="0" b="0"/>
+      </a:fillRef>
+      <a:effectRef idx="2">
+        <a:scrgbClr r="0" g="0" b="0"/>
+      </a:effectRef>
+      <a:fontRef idx="minor"/>
+    </dgm:style>
+  </dgm:styleLbl>
+  <dgm:styleLbl name="alignImgPlace1">
+    <dgm:scene3d>
+      <a:camera prst="orthographicFront"/>
+      <a:lightRig rig="threePt" dir="t"/>
+    </dgm:scene3d>
+    <dgm:sp3d/>
+    <dgm:txPr/>
+    <dgm:style>
+      <a:lnRef idx="0">
+        <a:scrgbClr r="0" g="0" b="0"/>
+      </a:lnRef>
+      <a:fillRef idx="1">
+        <a:scrgbClr r="0" g="0" b="0"/>
+      </a:fillRef>
+      <a:effectRef idx="2">
+        <a:scrgbClr r="0" g="0" b="0"/>
+      </a:effectRef>
+      <a:fontRef idx="minor"/>
+    </dgm:style>
+  </dgm:styleLbl>
+  <dgm:styleLbl name="bgImgPlace1">
+    <dgm:scene3d>
+      <a:camera prst="orthographicFront"/>
+      <a:lightRig rig="threePt" dir="t"/>
+    </dgm:scene3d>
+    <dgm:sp3d/>
+    <dgm:txPr/>
+    <dgm:style>
+      <a:lnRef idx="0">
+        <a:scrgbClr r="0" g="0" b="0"/>
+      </a:lnRef>
+      <a:fillRef idx="1">
+        <a:scrgbClr r="0" g="0" b="0"/>
+      </a:fillRef>
+      <a:effectRef idx="2">
+        <a:scrgbClr r="0" g="0" b="0"/>
+      </a:effectRef>
+      <a:fontRef idx="minor"/>
+    </dgm:style>
+  </dgm:styleLbl>
+  <dgm:styleLbl name="sibTrans2D1">
+    <dgm:scene3d>
+      <a:camera prst="orthographicFront"/>
+      <a:lightRig rig="threePt" dir="t"/>
+    </dgm:scene3d>
+    <dgm:sp3d/>
+    <dgm:txPr/>
+    <dgm:style>
+      <a:lnRef idx="0">
+        <a:scrgbClr r="0" g="0" b="0"/>
+      </a:lnRef>
+      <a:fillRef idx="3">
+        <a:scrgbClr r="0" g="0" b="0"/>
+      </a:fillRef>
+      <a:effectRef idx="2">
+        <a:scrgbClr r="0" g="0" b="0"/>
+      </a:effectRef>
+      <a:fontRef idx="minor">
+        <a:schemeClr val="lt1"/>
+      </a:fontRef>
+    </dgm:style>
+  </dgm:styleLbl>
+  <dgm:styleLbl name="fgSibTrans2D1">
+    <dgm:scene3d>
+      <a:camera prst="orthographicFront"/>
+      <a:lightRig rig="threePt" dir="t"/>
+    </dgm:scene3d>
+    <dgm:sp3d/>
+    <dgm:txPr/>
+    <dgm:style>
+      <a:lnRef idx="0">
+        <a:scrgbClr r="0" g="0" b="0"/>
+      </a:lnRef>
+      <a:fillRef idx="3">
+        <a:scrgbClr r="0" g="0" b="0"/>
+      </a:fillRef>
+      <a:effectRef idx="2">
+        <a:scrgbClr r="0" g="0" b="0"/>
+      </a:effectRef>
+      <a:fontRef idx="minor">
+        <a:schemeClr val="lt1"/>
+      </a:fontRef>
+    </dgm:style>
+  </dgm:styleLbl>
+  <dgm:styleLbl name="bgSibTrans2D1">
+    <dgm:scene3d>
+      <a:camera prst="orthographicFront"/>
+      <a:lightRig rig="threePt" dir="t"/>
+    </dgm:scene3d>
+    <dgm:sp3d/>
+    <dgm:txPr/>
+    <dgm:style>
+      <a:lnRef idx="0">
+        <a:scrgbClr r="0" g="0" b="0"/>
+      </a:lnRef>
+      <a:fillRef idx="3">
+        <a:scrgbClr r="0" g="0" b="0"/>
+      </a:fillRef>
+      <a:effectRef idx="2">
+        <a:scrgbClr r="0" g="0" b="0"/>
+      </a:effectRef>
+      <a:fontRef idx="minor">
+        <a:schemeClr val="lt1"/>
+      </a:fontRef>
+    </dgm:style>
+  </dgm:styleLbl>
+  <dgm:styleLbl name="sibTrans1D1">
+    <dgm:scene3d>
+      <a:camera prst="orthographicFront"/>
+      <a:lightRig rig="threePt" dir="t"/>
+    </dgm:scene3d>
+    <dgm:sp3d/>
+    <dgm:txPr/>
+    <dgm:style>
+      <a:lnRef idx="1">
+        <a:scrgbClr r="0" g="0" b="0"/>
+      </a:lnRef>
+      <a:fillRef idx="0">
+        <a:scrgbClr r="0" g="0" b="0"/>
+      </a:fillRef>
+      <a:effectRef idx="0">
+        <a:scrgbClr r="0" g="0" b="0"/>
+      </a:effectRef>
+      <a:fontRef idx="minor"/>
+    </dgm:style>
+  </dgm:styleLbl>
+  <dgm:styleLbl name="callout">
+    <dgm:scene3d>
+      <a:camera prst="orthographicFront"/>
+      <a:lightRig rig="threePt" dir="t"/>
+    </dgm:scene3d>
+    <dgm:sp3d/>
+    <dgm:txPr/>
+    <dgm:style>
+      <a:lnRef idx="2">
+        <a:scrgbClr r="0" g="0" b="0"/>
+      </a:lnRef>
+      <a:fillRef idx="1">
+        <a:scrgbClr r="0" g="0" b="0"/>
+      </a:fillRef>
+      <a:effectRef idx="1">
+        <a:scrgbClr r="0" g="0" b="0"/>
+      </a:effectRef>
+      <a:fontRef idx="minor"/>
+    </dgm:style>
+  </dgm:styleLbl>
+  <dgm:styleLbl name="asst0">
+    <dgm:scene3d>
+      <a:camera prst="orthographicFront"/>
+      <a:lightRig rig="threePt" dir="t"/>
+    </dgm:scene3d>
+    <dgm:sp3d/>
+    <dgm:txPr/>
+    <dgm:style>
+      <a:lnRef idx="0">
+        <a:scrgbClr r="0" g="0" b="0"/>
+      </a:lnRef>
+      <a:fillRef idx="3">
+        <a:scrgbClr r="0" g="0" b="0"/>
+      </a:fillRef>
+      <a:effectRef idx="2">
+        <a:scrgbClr r="0" g="0" b="0"/>
+      </a:effectRef>
+      <a:fontRef idx="minor">
+        <a:schemeClr val="lt1"/>
+      </a:fontRef>
+    </dgm:style>
+  </dgm:styleLbl>
+  <dgm:styleLbl name="asst1">
+    <dgm:scene3d>
+      <a:camera prst="orthographicFront"/>
+      <a:lightRig rig="threePt" dir="t"/>
+    </dgm:scene3d>
+    <dgm:sp3d/>
+    <dgm:txPr/>
+    <dgm:style>
+      <a:lnRef idx="0">
+        <a:scrgbClr r="0" g="0" b="0"/>
+      </a:lnRef>
+      <a:fillRef idx="3">
+        <a:scrgbClr r="0" g="0" b="0"/>
+      </a:fillRef>
+      <a:effectRef idx="2">
+        <a:scrgbClr r="0" g="0" b="0"/>
+      </a:effectRef>
+      <a:fontRef idx="minor">
+        <a:schemeClr val="lt1"/>
+      </a:fontRef>
+    </dgm:style>
+  </dgm:styleLbl>
+  <dgm:styleLbl name="asst2">
+    <dgm:scene3d>
+      <a:camera prst="orthographicFront"/>
+      <a:lightRig rig="threePt" dir="t"/>
+    </dgm:scene3d>
+    <dgm:sp3d/>
+    <dgm:txPr/>
+    <dgm:style>
+      <a:lnRef idx="0">
+        <a:scrgbClr r="0" g="0" b="0"/>
+      </a:lnRef>
+      <a:fillRef idx="3">
+        <a:scrgbClr r="0" g="0" b="0"/>
+      </a:fillRef>
+      <a:effectRef idx="2">
+        <a:scrgbClr r="0" g="0" b="0"/>
+      </a:effectRef>
+      <a:fontRef idx="minor">
+        <a:schemeClr val="lt1"/>
+      </a:fontRef>
+    </dgm:style>
+  </dgm:styleLbl>
+  <dgm:styleLbl name="asst3">
+    <dgm:scene3d>
+      <a:camera prst="orthographicFront"/>
+      <a:lightRig rig="threePt" dir="t"/>
+    </dgm:scene3d>
+    <dgm:sp3d/>
+    <dgm:txPr/>
+    <dgm:style>
+      <a:lnRef idx="0">
+        <a:scrgbClr r="0" g="0" b="0"/>
+      </a:lnRef>
+      <a:fillRef idx="3">
+        <a:scrgbClr r="0" g="0" b="0"/>
+      </a:fillRef>
+      <a:effectRef idx="2">
+        <a:scrgbClr r="0" g="0" b="0"/>
+      </a:effectRef>
+      <a:fontRef idx="minor">
+        <a:schemeClr val="lt1"/>
+      </a:fontRef>
+    </dgm:style>
+  </dgm:styleLbl>
+  <dgm:styleLbl name="asst4">
+    <dgm:scene3d>
+      <a:camera prst="orthographicFront"/>
+      <a:lightRig rig="threePt" dir="t"/>
+    </dgm:scene3d>
+    <dgm:sp3d/>
+    <dgm:txPr/>
+    <dgm:style>
+      <a:lnRef idx="0">
+        <a:scrgbClr r="0" g="0" b="0"/>
+      </a:lnRef>
+      <a:fillRef idx="3">
+        <a:scrgbClr r="0" g="0" b="0"/>
+      </a:fillRef>
+      <a:effectRef idx="2">
+        <a:scrgbClr r="0" g="0" b="0"/>
+      </a:effectRef>
+      <a:fontRef idx="minor">
+        <a:schemeClr val="lt1"/>
+      </a:fontRef>
+    </dgm:style>
+  </dgm:styleLbl>
+  <dgm:styleLbl name="parChTrans2D1">
+    <dgm:scene3d>
+      <a:camera prst="orthographicFront"/>
+      <a:lightRig rig="threePt" dir="t"/>
+    </dgm:scene3d>
+    <dgm:sp3d/>
+    <dgm:txPr/>
+    <dgm:style>
+      <a:lnRef idx="0">
+        <a:scrgbClr r="0" g="0" b="0"/>
+      </a:lnRef>
+      <a:fillRef idx="3">
+        <a:scrgbClr r="0" g="0" b="0"/>
+      </a:fillRef>
+      <a:effectRef idx="2">
+        <a:scrgbClr r="0" g="0" b="0"/>
+      </a:effectRef>
+      <a:fontRef idx="minor">
+        <a:schemeClr val="lt1"/>
+      </a:fontRef>
+    </dgm:style>
+  </dgm:styleLbl>
+  <dgm:styleLbl name="parChTrans2D2">
+    <dgm:scene3d>
+      <a:camera prst="orthographicFront"/>
+      <a:lightRig rig="threePt" dir="t"/>
+    </dgm:scene3d>
+    <dgm:sp3d/>
+    <dgm:txPr/>
+    <dgm:style>
+      <a:lnRef idx="0">
+        <a:scrgbClr r="0" g="0" b="0"/>
+      </a:lnRef>
+      <a:fillRef idx="3">
+        <a:scrgbClr r="0" g="0" b="0"/>
+      </a:fillRef>
+      <a:effectRef idx="2">
+        <a:scrgbClr r="0" g="0" b="0"/>
+      </a:effectRef>
+      <a:fontRef idx="minor">
+        <a:schemeClr val="lt1"/>
+      </a:fontRef>
+    </dgm:style>
+  </dgm:styleLbl>
+  <dgm:styleLbl name="parChTrans2D3">
+    <dgm:scene3d>
+      <a:camera prst="orthographicFront"/>
+      <a:lightRig rig="threePt" dir="t"/>
+    </dgm:scene3d>
+    <dgm:sp3d/>
+    <dgm:txPr/>
+    <dgm:style>
+      <a:lnRef idx="1">
+        <a:scrgbClr r="0" g="0" b="0"/>
+      </a:lnRef>
+      <a:fillRef idx="3">
+        <a:scrgbClr r="0" g="0" b="0"/>
+      </a:fillRef>
+      <a:effectRef idx="2">
+        <a:scrgbClr r="0" g="0" b="0"/>
+      </a:effectRef>
+      <a:fontRef idx="minor">
+        <a:schemeClr val="lt1"/>
+      </a:fontRef>
+    </dgm:style>
+  </dgm:styleLbl>
+  <dgm:styleLbl name="parChTrans2D4">
+    <dgm:scene3d>
+      <a:camera prst="orthographicFront"/>
+      <a:lightRig rig="threePt" dir="t"/>
+    </dgm:scene3d>
+    <dgm:sp3d/>
+    <dgm:txPr/>
+    <dgm:style>
+      <a:lnRef idx="1">
+        <a:scrgbClr r="0" g="0" b="0"/>
+      </a:lnRef>
+      <a:fillRef idx="3">
+        <a:scrgbClr r="0" g="0" b="0"/>
+      </a:fillRef>
+      <a:effectRef idx="2">
+        <a:scrgbClr r="0" g="0" b="0"/>
+      </a:effectRef>
+      <a:fontRef idx="minor">
+        <a:schemeClr val="lt1"/>
+      </a:fontRef>
+    </dgm:style>
+  </dgm:styleLbl>
+  <dgm:styleLbl name="parChTrans1D1">
+    <dgm:scene3d>
+      <a:camera prst="orthographicFront"/>
+      <a:lightRig rig="threePt" dir="t"/>
+    </dgm:scene3d>
+    <dgm:sp3d/>
+    <dgm:txPr/>
+    <dgm:style>
+      <a:lnRef idx="1">
+        <a:scrgbClr r="0" g="0" b="0"/>
+      </a:lnRef>
+      <a:fillRef idx="0">
+        <a:scrgbClr r="0" g="0" b="0"/>
+      </a:fillRef>
+      <a:effectRef idx="0">
+        <a:scrgbClr r="0" g="0" b="0"/>
+      </a:effectRef>
+      <a:fontRef idx="minor"/>
+    </dgm:style>
+  </dgm:styleLbl>
+  <dgm:styleLbl name="parChTrans1D2">
+    <dgm:scene3d>
+      <a:camera prst="orthographicFront"/>
+      <a:lightRig rig="threePt" dir="t"/>
+    </dgm:scene3d>
+    <dgm:sp3d/>
+    <dgm:txPr/>
+    <dgm:style>
+      <a:lnRef idx="1">
+        <a:scrgbClr r="0" g="0" b="0"/>
+      </a:lnRef>
+      <a:fillRef idx="0">
+        <a:scrgbClr r="0" g="0" b="0"/>
+      </a:fillRef>
+      <a:effectRef idx="0">
+        <a:scrgbClr r="0" g="0" b="0"/>
+      </a:effectRef>
+      <a:fontRef idx="minor"/>
+    </dgm:style>
+  </dgm:styleLbl>
+  <dgm:styleLbl name="parChTrans1D3">
+    <dgm:scene3d>
+      <a:camera prst="orthographicFront"/>
+      <a:lightRig rig="threePt" dir="t"/>
+    </dgm:scene3d>
+    <dgm:sp3d/>
+    <dgm:txPr/>
+    <dgm:style>
+      <a:lnRef idx="1">
+        <a:scrgbClr r="0" g="0" b="0"/>
+      </a:lnRef>
+      <a:fillRef idx="0">
+        <a:scrgbClr r="0" g="0" b="0"/>
+      </a:fillRef>
+      <a:effectRef idx="0">
+        <a:scrgbClr r="0" g="0" b="0"/>
+      </a:effectRef>
+      <a:fontRef idx="minor"/>
+    </dgm:style>
+  </dgm:styleLbl>
+  <dgm:styleLbl name="parChTrans1D4">
+    <dgm:scene3d>
+      <a:camera prst="orthographicFront"/>
+      <a:lightRig rig="threePt" dir="t"/>
+    </dgm:scene3d>
+    <dgm:sp3d/>
+    <dgm:txPr/>
+    <dgm:style>
+      <a:lnRef idx="1">
+        <a:scrgbClr r="0" g="0" b="0"/>
+      </a:lnRef>
+      <a:fillRef idx="0">
+        <a:scrgbClr r="0" g="0" b="0"/>
+      </a:fillRef>
+      <a:effectRef idx="0">
+        <a:scrgbClr r="0" g="0" b="0"/>
+      </a:effectRef>
+      <a:fontRef idx="minor"/>
+    </dgm:style>
+  </dgm:styleLbl>
+  <dgm:styleLbl name="fgAcc1">
+    <dgm:scene3d>
+      <a:camera prst="orthographicFront"/>
+      <a:lightRig rig="threePt" dir="t"/>
+    </dgm:scene3d>
+    <dgm:sp3d/>
+    <dgm:txPr/>
+    <dgm:style>
+      <a:lnRef idx="1">
+        <a:scrgbClr r="0" g="0" b="0"/>
+      </a:lnRef>
+      <a:fillRef idx="1">
+        <a:scrgbClr r="0" g="0" b="0"/>
+      </a:fillRef>
+      <a:effectRef idx="0">
+        <a:scrgbClr r="0" g="0" b="0"/>
+      </a:effectRef>
+      <a:fontRef idx="minor"/>
+    </dgm:style>
+  </dgm:styleLbl>
+  <dgm:styleLbl name="conFgAcc1">
+    <dgm:scene3d>
+      <a:camera prst="orthographicFront"/>
+      <a:lightRig rig="threePt" dir="t"/>
+    </dgm:scene3d>
+    <dgm:sp3d/>
+    <dgm:txPr/>
+    <dgm:style>
+      <a:lnRef idx="1">
+        <a:scrgbClr r="0" g="0" b="0"/>
+      </a:lnRef>
+      <a:fillRef idx="1">
+        <a:scrgbClr r="0" g="0" b="0"/>
+      </a:fillRef>
+      <a:effectRef idx="0">
+        <a:scrgbClr r="0" g="0" b="0"/>
+      </a:effectRef>
+      <a:fontRef idx="minor"/>
+    </dgm:style>
+  </dgm:styleLbl>
+  <dgm:styleLbl name="alignAcc1">
+    <dgm:scene3d>
+      <a:camera prst="orthographicFront"/>
+      <a:lightRig rig="threePt" dir="t"/>
+    </dgm:scene3d>
+    <dgm:sp3d/>
+    <dgm:txPr/>
+    <dgm:style>
+      <a:lnRef idx="1">
+        <a:scrgbClr r="0" g="0" b="0"/>
+      </a:lnRef>
+      <a:fillRef idx="1">
+        <a:scrgbClr r="0" g="0" b="0"/>
+      </a:fillRef>
+      <a:effectRef idx="0">
+        <a:scrgbClr r="0" g="0" b="0"/>
+      </a:effectRef>
+      <a:fontRef idx="minor"/>
+    </dgm:style>
+  </dgm:styleLbl>
+  <dgm:styleLbl name="trAlignAcc1">
+    <dgm:scene3d>
+      <a:camera prst="orthographicFront"/>
+      <a:lightRig rig="threePt" dir="t"/>
+    </dgm:scene3d>
+    <dgm:sp3d/>
+    <dgm:txPr/>
+    <dgm:style>
+      <a:lnRef idx="1">
+        <a:scrgbClr r="0" g="0" b="0"/>
+      </a:lnRef>
+      <a:fillRef idx="1">
+        <a:scrgbClr r="0" g="0" b="0"/>
+      </a:fillRef>
+      <a:effectRef idx="0">
+        <a:scrgbClr r="0" g="0" b="0"/>
+      </a:effectRef>
+      <a:fontRef idx="minor"/>
+    </dgm:style>
+  </dgm:styleLbl>
+  <dgm:styleLbl name="bgAcc1">
+    <dgm:scene3d>
+      <a:camera prst="orthographicFront"/>
+      <a:lightRig rig="threePt" dir="t"/>
+    </dgm:scene3d>
+    <dgm:sp3d/>
+    <dgm:txPr/>
+    <dgm:style>
+      <a:lnRef idx="1">
+        <a:scrgbClr r="0" g="0" b="0"/>
+      </a:lnRef>
+      <a:fillRef idx="1">
+        <a:scrgbClr r="0" g="0" b="0"/>
+      </a:fillRef>
+      <a:effectRef idx="0">
+        <a:scrgbClr r="0" g="0" b="0"/>
+      </a:effectRef>
+      <a:fontRef idx="minor"/>
+    </dgm:style>
+  </dgm:styleLbl>
+  <dgm:styleLbl name="solidFgAcc1">
+    <dgm:scene3d>
+      <a:camera prst="orthographicFront"/>
+      <a:lightRig rig="threePt" dir="t"/>
+    </dgm:scene3d>
+    <dgm:sp3d/>
+    <dgm:txPr/>
+    <dgm:style>
+      <a:lnRef idx="1">
+        <a:scrgbClr r="0" g="0" b="0"/>
+      </a:lnRef>
+      <a:fillRef idx="1">
+        <a:scrgbClr r="0" g="0" b="0"/>
+      </a:fillRef>
+      <a:effectRef idx="0">
+        <a:scrgbClr r="0" g="0" b="0"/>
+      </a:effectRef>
+      <a:fontRef idx="minor"/>
+    </dgm:style>
+  </dgm:styleLbl>
+  <dgm:styleLbl name="solidAlignAcc1">
+    <dgm:scene3d>
+      <a:camera prst="orthographicFront"/>
+      <a:lightRig rig="threePt" dir="t"/>
+    </dgm:scene3d>
+    <dgm:sp3d/>
+    <dgm:txPr/>
+    <dgm:style>
+      <a:lnRef idx="1">
+        <a:scrgbClr r="0" g="0" b="0"/>
+      </a:lnRef>
+      <a:fillRef idx="1">
+        <a:scrgbClr r="0" g="0" b="0"/>
+      </a:fillRef>
+      <a:effectRef idx="0">
+        <a:scrgbClr r="0" g="0" b="0"/>
+      </a:effectRef>
+      <a:fontRef idx="minor"/>
+    </dgm:style>
+  </dgm:styleLbl>
+  <dgm:styleLbl name="solidBgAcc1">
+    <dgm:scene3d>
+      <a:camera prst="orthographicFront"/>
+      <a:lightRig rig="threePt" dir="t"/>
+    </dgm:scene3d>
+    <dgm:sp3d/>
+    <dgm:txPr/>
+    <dgm:style>
+      <a:lnRef idx="1">
+        <a:scrgbClr r="0" g="0" b="0"/>
+      </a:lnRef>
+      <a:fillRef idx="1">
+        <a:scrgbClr r="0" g="0" b="0"/>
+      </a:fillRef>
+      <a:effectRef idx="0">
+        <a:scrgbClr r="0" g="0" b="0"/>
+      </a:effectRef>
+      <a:fontRef idx="minor"/>
+    </dgm:style>
+  </dgm:styleLbl>
+  <dgm:styleLbl name="fgAccFollowNode1">
+    <dgm:scene3d>
+      <a:camera prst="orthographicFront"/>
+      <a:lightRig rig="threePt" dir="t"/>
+    </dgm:scene3d>
+    <dgm:sp3d/>
+    <dgm:txPr/>
+    <dgm:style>
+      <a:lnRef idx="1">
+        <a:scrgbClr r="0" g="0" b="0"/>
+      </a:lnRef>
+      <a:fillRef idx="1">
+        <a:scrgbClr r="0" g="0" b="0"/>
+      </a:fillRef>
+      <a:effectRef idx="0">
+        <a:scrgbClr r="0" g="0" b="0"/>
+      </a:effectRef>
+      <a:fontRef idx="minor"/>
+    </dgm:style>
+  </dgm:styleLbl>
+  <dgm:styleLbl name="alignAccFollowNode1">
+    <dgm:scene3d>
+      <a:camera prst="orthographicFront"/>
+      <a:lightRig rig="threePt" dir="t"/>
+    </dgm:scene3d>
+    <dgm:sp3d/>
+    <dgm:txPr/>
+    <dgm:style>
+      <a:lnRef idx="1">
+        <a:scrgbClr r="0" g="0" b="0"/>
+      </a:lnRef>
+      <a:fillRef idx="1">
+        <a:scrgbClr r="0" g="0" b="0"/>
+      </a:fillRef>
+      <a:effectRef idx="0">
+        <a:scrgbClr r="0" g="0" b="0"/>
+      </a:effectRef>
+      <a:fontRef idx="minor"/>
+    </dgm:style>
+  </dgm:styleLbl>
+  <dgm:styleLbl name="bgAccFollowNode1">
+    <dgm:scene3d>
+      <a:camera prst="orthographicFront"/>
+      <a:lightRig rig="threePt" dir="t"/>
+    </dgm:scene3d>
+    <dgm:sp3d/>
+    <dgm:txPr/>
+    <dgm:style>
+      <a:lnRef idx="1">
+        <a:scrgbClr r="0" g="0" b="0"/>
+      </a:lnRef>
+      <a:fillRef idx="1">
+        <a:scrgbClr r="0" g="0" b="0"/>
+      </a:fillRef>
+      <a:effectRef idx="0">
+        <a:scrgbClr r="0" g="0" b="0"/>
+      </a:effectRef>
+      <a:fontRef idx="minor"/>
+    </dgm:style>
+  </dgm:styleLbl>
+  <dgm:styleLbl name="fgAcc0">
+    <dgm:scene3d>
+      <a:camera prst="orthographicFront"/>
+      <a:lightRig rig="threePt" dir="t"/>
+    </dgm:scene3d>
+    <dgm:sp3d/>
+    <dgm:txPr/>
+    <dgm:style>
+      <a:lnRef idx="1">
+        <a:scrgbClr r="0" g="0" b="0"/>
+      </a:lnRef>
+      <a:fillRef idx="1">
+        <a:scrgbClr r="0" g="0" b="0"/>
+      </a:fillRef>
+      <a:effectRef idx="0">
+        <a:scrgbClr r="0" g="0" b="0"/>
+      </a:effectRef>
+      <a:fontRef idx="minor"/>
+    </dgm:style>
+  </dgm:styleLbl>
+  <dgm:styleLbl name="fgAcc2">
+    <dgm:scene3d>
+      <a:camera prst="orthographicFront"/>
+      <a:lightRig rig="threePt" dir="t"/>
+    </dgm:scene3d>
+    <dgm:sp3d/>
+    <dgm:txPr/>
+    <dgm:style>
+      <a:lnRef idx="1">
+        <a:scrgbClr r="0" g="0" b="0"/>
+      </a:lnRef>
+      <a:fillRef idx="1">
+        <a:scrgbClr r="0" g="0" b="0"/>
+      </a:fillRef>
+      <a:effectRef idx="0">
+        <a:scrgbClr r="0" g="0" b="0"/>
+      </a:effectRef>
+      <a:fontRef idx="minor"/>
+    </dgm:style>
+  </dgm:styleLbl>
+  <dgm:styleLbl name="fgAcc3">
+    <dgm:scene3d>
+      <a:camera prst="orthographicFront"/>
+      <a:lightRig rig="threePt" dir="t"/>
+    </dgm:scene3d>
+    <dgm:sp3d/>
+    <dgm:txPr/>
+    <dgm:style>
+      <a:lnRef idx="1">
+        <a:scrgbClr r="0" g="0" b="0"/>
+      </a:lnRef>
+      <a:fillRef idx="1">
+        <a:scrgbClr r="0" g="0" b="0"/>
+      </a:fillRef>
+      <a:effectRef idx="0">
+        <a:scrgbClr r="0" g="0" b="0"/>
+      </a:effectRef>
+      <a:fontRef idx="minor"/>
+    </dgm:style>
+  </dgm:styleLbl>
+  <dgm:styleLbl name="fgAcc4">
+    <dgm:scene3d>
+      <a:camera prst="orthographicFront"/>
+      <a:lightRig rig="threePt" dir="t"/>
+    </dgm:scene3d>
+    <dgm:sp3d/>
+    <dgm:txPr/>
+    <dgm:style>
+      <a:lnRef idx="1">
+        <a:scrgbClr r="0" g="0" b="0"/>
+      </a:lnRef>
+      <a:fillRef idx="1">
+        <a:scrgbClr r="0" g="0" b="0"/>
+      </a:fillRef>
+      <a:effectRef idx="0">
+        <a:scrgbClr r="0" g="0" b="0"/>
+      </a:effectRef>
+      <a:fontRef idx="minor"/>
+    </dgm:style>
+  </dgm:styleLbl>
+  <dgm:styleLbl name="bgShp">
+    <dgm:scene3d>
+      <a:camera prst="orthographicFront"/>
+      <a:lightRig rig="threePt" dir="t"/>
+    </dgm:scene3d>
+    <dgm:sp3d/>
+    <dgm:txPr/>
+    <dgm:style>
+      <a:lnRef idx="0">
+        <a:scrgbClr r="0" g="0" b="0"/>
+      </a:lnRef>
+      <a:fillRef idx="1">
+        <a:scrgbClr r="0" g="0" b="0"/>
+      </a:fillRef>
+      <a:effectRef idx="2">
+        <a:scrgbClr r="0" g="0" b="0"/>
+      </a:effectRef>
+      <a:fontRef idx="minor"/>
+    </dgm:style>
+  </dgm:styleLbl>
+  <dgm:styleLbl name="dkBgShp">
+    <dgm:scene3d>
+      <a:camera prst="orthographicFront"/>
+      <a:lightRig rig="threePt" dir="t"/>
+    </dgm:scene3d>
+    <dgm:sp3d/>
+    <dgm:txPr/>
+    <dgm:style>
+      <a:lnRef idx="0">
+        <a:scrgbClr r="0" g="0" b="0"/>
+      </a:lnRef>
+      <a:fillRef idx="1">
+        <a:scrgbClr r="0" g="0" b="0"/>
+      </a:fillRef>
+      <a:effectRef idx="2">
+        <a:scrgbClr r="0" g="0" b="0"/>
+      </a:effectRef>
+      <a:fontRef idx="minor"/>
+    </dgm:style>
+  </dgm:styleLbl>
+  <dgm:styleLbl name="trBgShp">
+    <dgm:scene3d>
+      <a:camera prst="orthographicFront"/>
+      <a:lightRig rig="threePt" dir="t"/>
+    </dgm:scene3d>
+    <dgm:sp3d/>
+    <dgm:txPr/>
+    <dgm:style>
+      <a:lnRef idx="0">
+        <a:scrgbClr r="0" g="0" b="0"/>
+      </a:lnRef>
+      <a:fillRef idx="1">
+        <a:scrgbClr r="0" g="0" b="0"/>
+      </a:fillRef>
+      <a:effectRef idx="0">
+        <a:scrgbClr r="0" g="0" b="0"/>
+      </a:effectRef>
+      <a:fontRef idx="minor"/>
+    </dgm:style>
+  </dgm:styleLbl>
+  <dgm:styleLbl name="fgShp">
+    <dgm:scene3d>
+      <a:camera prst="orthographicFront"/>
+      <a:lightRig rig="threePt" dir="t"/>
+    </dgm:scene3d>
+    <dgm:sp3d/>
+    <dgm:txPr/>
+    <dgm:style>
+      <a:lnRef idx="0">
+        <a:scrgbClr r="0" g="0" b="0"/>
+      </a:lnRef>
+      <a:fillRef idx="3">
+        <a:scrgbClr r="0" g="0" b="0"/>
+      </a:fillRef>
+      <a:effectRef idx="2">
+        <a:scrgbClr r="0" g="0" b="0"/>
+      </a:effectRef>
+      <a:fontRef idx="minor"/>
+    </dgm:style>
+  </dgm:styleLbl>
+  <dgm:styleLbl name="revTx">
+    <dgm:scene3d>
+      <a:camera prst="orthographicFront"/>
+      <a:lightRig rig="threePt" dir="t"/>
+    </dgm:scene3d>
+    <dgm:sp3d/>
+    <dgm:txPr/>
+    <dgm:style>
+      <a:lnRef idx="0">
+        <a:scrgbClr r="0" g="0" b="0"/>
+      </a:lnRef>
+      <a:fillRef idx="0">
+        <a:scrgbClr r="0" g="0" b="0"/>
+      </a:fillRef>
+      <a:effectRef idx="0">
+        <a:scrgbClr r="0" g="0" b="0"/>
+      </a:effectRef>
+      <a:fontRef idx="minor"/>
+    </dgm:style>
+  </dgm:styleLbl>
+</dgm:styleDef>
 </file>
 
 <file path=ppt/slideLayouts/slideLayout1.xml><?xml version="1.0" encoding="utf-8"?>
@@ -7824,6 +11101,41 @@
 <file path=ppt/slides/slide2.xml><?xml version="1.0" encoding="utf-8"?>
 <p:sld xmlns:a="http://schemas.openxmlformats.org/drawingml/2006/main" xmlns:r="http://schemas.openxmlformats.org/officeDocument/2006/relationships" xmlns:p="http://schemas.openxmlformats.org/presentationml/2006/main">
   <p:cSld>
+    <p:bg>
+      <p:bgPr>
+        <a:gradFill rotWithShape="1">
+          <a:gsLst>
+            <a:gs pos="0">
+              <a:schemeClr val="bg2">
+                <a:tint val="96000"/>
+                <a:shade val="100000"/>
+                <a:hueMod val="92000"/>
+                <a:satMod val="200000"/>
+                <a:lumMod val="128000"/>
+              </a:schemeClr>
+            </a:gs>
+            <a:gs pos="50000">
+              <a:schemeClr val="bg2">
+                <a:shade val="100000"/>
+                <a:hueMod val="100000"/>
+                <a:satMod val="110000"/>
+                <a:lumMod val="130000"/>
+              </a:schemeClr>
+            </a:gs>
+            <a:gs pos="100000">
+              <a:schemeClr val="bg2">
+                <a:shade val="78000"/>
+                <a:hueMod val="118000"/>
+                <a:satMod val="120000"/>
+                <a:lumMod val="69000"/>
+              </a:schemeClr>
+            </a:gs>
+          </a:gsLst>
+          <a:lin ang="2520000" scaled="0"/>
+        </a:gradFill>
+        <a:effectLst/>
+      </p:bgPr>
+    </p:bg>
     <p:spTree>
       <p:nvGrpSpPr>
         <p:cNvPr id="1" name=""/>
@@ -7838,6 +11150,275 @@
           <a:chExt cx="0" cy="0"/>
         </a:xfrm>
       </p:grpSpPr>
+      <p:sp useBgFill="1">
+        <p:nvSpPr>
+          <p:cNvPr id="24" name="Rectangle 9">
+            <a:extLst>
+              <a:ext uri="{FF2B5EF4-FFF2-40B4-BE49-F238E27FC236}">
+                <a16:creationId xmlns:a16="http://schemas.microsoft.com/office/drawing/2014/main" id="{1485FFDC-0CAD-450C-A1F1-75E392CC81DC}"/>
+              </a:ext>
+              <a:ext uri="{C183D7F6-B498-43B3-948B-1728B52AA6E4}">
+                <adec:decorative xmlns:adec="http://schemas.microsoft.com/office/drawing/2017/decorative" val="1"/>
+              </a:ext>
+            </a:extLst>
+          </p:cNvPr>
+          <p:cNvSpPr>
+            <a:spLocks noGrp="1" noRot="1" noChangeAspect="1" noMove="1" noResize="1" noEditPoints="1" noAdjustHandles="1" noChangeArrowheads="1" noChangeShapeType="1" noTextEdit="1"/>
+          </p:cNvSpPr>
+          <p:nvPr>
+            <p:extLst>
+              <p:ext uri="{386F3935-93C4-4BCD-93E2-E3B085C9AB24}">
+                <p16:designElem xmlns:p16="http://schemas.microsoft.com/office/powerpoint/2015/main" val="1"/>
+              </p:ext>
+            </p:extLst>
+          </p:nvPr>
+        </p:nvSpPr>
+        <p:spPr>
+          <a:xfrm>
+            <a:off x="0" y="0"/>
+            <a:ext cx="12188824" cy="6858000"/>
+          </a:xfrm>
+          <a:prstGeom prst="rect">
+            <a:avLst/>
+          </a:prstGeom>
+          <a:ln>
+            <a:noFill/>
+          </a:ln>
+        </p:spPr>
+        <p:style>
+          <a:lnRef idx="2">
+            <a:schemeClr val="accent1">
+              <a:shade val="50000"/>
+            </a:schemeClr>
+          </a:lnRef>
+          <a:fillRef idx="1">
+            <a:schemeClr val="accent1"/>
+          </a:fillRef>
+          <a:effectRef idx="0">
+            <a:schemeClr val="accent1"/>
+          </a:effectRef>
+          <a:fontRef idx="minor">
+            <a:schemeClr val="lt1"/>
+          </a:fontRef>
+        </p:style>
+        <p:txBody>
+          <a:bodyPr rtlCol="0" anchor="ctr"/>
+          <a:lstStyle/>
+          <a:p>
+            <a:pPr algn="ctr"/>
+            <a:endParaRPr lang="en-US"/>
+          </a:p>
+        </p:txBody>
+      </p:sp>
+      <p:pic>
+        <p:nvPicPr>
+          <p:cNvPr id="25" name="Picture 11">
+            <a:extLst>
+              <a:ext uri="{FF2B5EF4-FFF2-40B4-BE49-F238E27FC236}">
+                <a16:creationId xmlns:a16="http://schemas.microsoft.com/office/drawing/2014/main" id="{F9672BDB-4ABD-40E5-A8B8-F7340E3BD8D5}"/>
+              </a:ext>
+              <a:ext uri="{C183D7F6-B498-43B3-948B-1728B52AA6E4}">
+                <adec:decorative xmlns:adec="http://schemas.microsoft.com/office/drawing/2017/decorative" val="1"/>
+              </a:ext>
+            </a:extLst>
+          </p:cNvPr>
+          <p:cNvPicPr>
+            <a:picLocks noGrp="1" noRot="1" noChangeAspect="1" noMove="1" noResize="1" noEditPoints="1" noAdjustHandles="1" noChangeArrowheads="1" noChangeShapeType="1" noCrop="1"/>
+          </p:cNvPicPr>
+          <p:nvPr>
+            <p:extLst>
+              <p:ext uri="{386F3935-93C4-4BCD-93E2-E3B085C9AB24}">
+                <p16:designElem xmlns:p16="http://schemas.microsoft.com/office/powerpoint/2015/main" val="1"/>
+              </p:ext>
+            </p:extLst>
+          </p:nvPr>
+        </p:nvPicPr>
+        <p:blipFill>
+          <a:blip r:embed="rId2">
+            <a:alphaModFix amt="10000"/>
+            <a:extLst>
+              <a:ext uri="{28A0092B-C50C-407E-A947-70E740481C1C}">
+                <a14:useLocalDpi xmlns:a14="http://schemas.microsoft.com/office/drawing/2010/main" val="0"/>
+              </a:ext>
+            </a:extLst>
+          </a:blip>
+          <a:stretch>
+            <a:fillRect/>
+          </a:stretch>
+        </p:blipFill>
+        <p:spPr>
+          <a:xfrm>
+            <a:off x="0" y="0"/>
+            <a:ext cx="12192000" cy="6858000"/>
+          </a:xfrm>
+          <a:prstGeom prst="rect">
+            <a:avLst/>
+          </a:prstGeom>
+        </p:spPr>
+      </p:pic>
+      <p:sp>
+        <p:nvSpPr>
+          <p:cNvPr id="26" name="Rectangle 13">
+            <a:extLst>
+              <a:ext uri="{FF2B5EF4-FFF2-40B4-BE49-F238E27FC236}">
+                <a16:creationId xmlns:a16="http://schemas.microsoft.com/office/drawing/2014/main" id="{B1FA2BC7-3F19-4E1C-B3D1-19995D9F6F4E}"/>
+              </a:ext>
+              <a:ext uri="{C183D7F6-B498-43B3-948B-1728B52AA6E4}">
+                <adec:decorative xmlns:adec="http://schemas.microsoft.com/office/drawing/2017/decorative" val="1"/>
+              </a:ext>
+            </a:extLst>
+          </p:cNvPr>
+          <p:cNvSpPr>
+            <a:spLocks noGrp="1" noRot="1" noChangeAspect="1" noMove="1" noResize="1" noEditPoints="1" noAdjustHandles="1" noChangeArrowheads="1" noChangeShapeType="1" noTextEdit="1"/>
+          </p:cNvSpPr>
+          <p:nvPr>
+            <p:extLst>
+              <p:ext uri="{386F3935-93C4-4BCD-93E2-E3B085C9AB24}">
+                <p16:designElem xmlns:p16="http://schemas.microsoft.com/office/powerpoint/2015/main" val="1"/>
+              </p:ext>
+            </p:extLst>
+          </p:nvPr>
+        </p:nvSpPr>
+        <p:spPr>
+          <a:xfrm>
+            <a:off x="4644527" y="0"/>
+            <a:ext cx="7552944" cy="6858001"/>
+          </a:xfrm>
+          <a:prstGeom prst="rect">
+            <a:avLst/>
+          </a:prstGeom>
+          <a:ln>
+            <a:noFill/>
+          </a:ln>
+        </p:spPr>
+        <p:style>
+          <a:lnRef idx="2">
+            <a:schemeClr val="accent1">
+              <a:shade val="50000"/>
+            </a:schemeClr>
+          </a:lnRef>
+          <a:fillRef idx="1">
+            <a:schemeClr val="accent1"/>
+          </a:fillRef>
+          <a:effectRef idx="0">
+            <a:schemeClr val="accent1"/>
+          </a:effectRef>
+          <a:fontRef idx="minor">
+            <a:schemeClr val="lt1"/>
+          </a:fontRef>
+        </p:style>
+        <p:txBody>
+          <a:bodyPr rtlCol="0" anchor="ctr"/>
+          <a:lstStyle/>
+          <a:p>
+            <a:pPr algn="ctr"/>
+            <a:endParaRPr lang="en-US"/>
+          </a:p>
+        </p:txBody>
+      </p:sp>
+      <p:pic>
+        <p:nvPicPr>
+          <p:cNvPr id="27" name="Picture 15">
+            <a:extLst>
+              <a:ext uri="{FF2B5EF4-FFF2-40B4-BE49-F238E27FC236}">
+                <a16:creationId xmlns:a16="http://schemas.microsoft.com/office/drawing/2014/main" id="{62FF40B5-1E36-4442-8D28-D1AA571AD2EB}"/>
+              </a:ext>
+              <a:ext uri="{C183D7F6-B498-43B3-948B-1728B52AA6E4}">
+                <adec:decorative xmlns:adec="http://schemas.microsoft.com/office/drawing/2017/decorative" val="1"/>
+              </a:ext>
+            </a:extLst>
+          </p:cNvPr>
+          <p:cNvPicPr>
+            <a:picLocks noGrp="1" noRot="1" noChangeAspect="1" noMove="1" noResize="1" noEditPoints="1" noAdjustHandles="1" noChangeArrowheads="1" noChangeShapeType="1" noCrop="1"/>
+          </p:cNvPicPr>
+          <p:nvPr>
+            <p:extLst>
+              <p:ext uri="{386F3935-93C4-4BCD-93E2-E3B085C9AB24}">
+                <p16:designElem xmlns:p16="http://schemas.microsoft.com/office/powerpoint/2015/main" val="1"/>
+              </p:ext>
+            </p:extLst>
+          </p:nvPr>
+        </p:nvPicPr>
+        <p:blipFill>
+          <a:blip r:embed="rId3" cstate="print">
+            <a:extLst>
+              <a:ext uri="{28A0092B-C50C-407E-A947-70E740481C1C}">
+                <a14:useLocalDpi xmlns:a14="http://schemas.microsoft.com/office/drawing/2010/main" val="0"/>
+              </a:ext>
+            </a:extLst>
+          </a:blip>
+          <a:stretch>
+            <a:fillRect/>
+          </a:stretch>
+        </p:blipFill>
+        <p:spPr>
+          <a:xfrm>
+            <a:off x="1" y="5006045"/>
+            <a:ext cx="4965192" cy="144668"/>
+          </a:xfrm>
+          <a:prstGeom prst="rect">
+            <a:avLst/>
+          </a:prstGeom>
+        </p:spPr>
+      </p:pic>
+      <p:sp>
+        <p:nvSpPr>
+          <p:cNvPr id="28" name="Rectangle 17">
+            <a:extLst>
+              <a:ext uri="{FF2B5EF4-FFF2-40B4-BE49-F238E27FC236}">
+                <a16:creationId xmlns:a16="http://schemas.microsoft.com/office/drawing/2014/main" id="{73C09592-2DB2-47C0-A5CB-BD39288D13E8}"/>
+              </a:ext>
+              <a:ext uri="{C183D7F6-B498-43B3-948B-1728B52AA6E4}">
+                <adec:decorative xmlns:adec="http://schemas.microsoft.com/office/drawing/2017/decorative" val="1"/>
+              </a:ext>
+            </a:extLst>
+          </p:cNvPr>
+          <p:cNvSpPr>
+            <a:spLocks noGrp="1" noRot="1" noChangeAspect="1" noMove="1" noResize="1" noEditPoints="1" noAdjustHandles="1" noChangeArrowheads="1" noChangeShapeType="1" noTextEdit="1"/>
+          </p:cNvSpPr>
+          <p:nvPr>
+            <p:extLst>
+              <p:ext uri="{386F3935-93C4-4BCD-93E2-E3B085C9AB24}">
+                <p16:designElem xmlns:p16="http://schemas.microsoft.com/office/powerpoint/2015/main" val="1"/>
+              </p:ext>
+            </p:extLst>
+          </p:nvPr>
+        </p:nvSpPr>
+        <p:spPr>
+          <a:xfrm>
+            <a:off x="-1" y="1838764"/>
+            <a:ext cx="4964567" cy="3180473"/>
+          </a:xfrm>
+          <a:prstGeom prst="rect">
+            <a:avLst/>
+          </a:prstGeom>
+          <a:solidFill>
+            <a:schemeClr val="bg1">
+              <a:lumMod val="85000"/>
+              <a:lumOff val="15000"/>
+            </a:schemeClr>
+          </a:solidFill>
+          <a:ln>
+            <a:noFill/>
+          </a:ln>
+        </p:spPr>
+        <p:style>
+          <a:lnRef idx="2">
+            <a:schemeClr val="accent1">
+              <a:shade val="50000"/>
+            </a:schemeClr>
+          </a:lnRef>
+          <a:fillRef idx="1">
+            <a:schemeClr val="accent1"/>
+          </a:fillRef>
+          <a:effectRef idx="0">
+            <a:schemeClr val="accent1"/>
+          </a:effectRef>
+          <a:fontRef idx="minor">
+            <a:schemeClr val="lt1"/>
+          </a:fontRef>
+        </p:style>
+      </p:sp>
       <p:sp>
         <p:nvSpPr>
           <p:cNvPr id="2" name="Title 1">
@@ -7854,86 +11435,57 @@
             <p:ph type="title"/>
           </p:nvPr>
         </p:nvSpPr>
-        <p:spPr/>
+        <p:spPr>
+          <a:xfrm>
+            <a:off x="680321" y="2063262"/>
+            <a:ext cx="3739279" cy="2661052"/>
+          </a:xfrm>
+        </p:spPr>
         <p:txBody>
-          <a:bodyPr/>
+          <a:bodyPr>
+            <a:normAutofit/>
+          </a:bodyPr>
           <a:lstStyle/>
           <a:p>
+            <a:pPr algn="r"/>
             <a:r>
-              <a:rPr lang="en-US" dirty="0"/>
+              <a:rPr lang="en-US" sz="4400"/>
               <a:t>My App</a:t>
             </a:r>
           </a:p>
         </p:txBody>
       </p:sp>
-      <p:sp>
-        <p:nvSpPr>
-          <p:cNvPr id="3" name="Content Placeholder 2">
+      <p:graphicFrame>
+        <p:nvGraphicFramePr>
+          <p:cNvPr id="29" name="Content Placeholder 2">
             <a:extLst>
               <a:ext uri="{FF2B5EF4-FFF2-40B4-BE49-F238E27FC236}">
-                <a16:creationId xmlns:a16="http://schemas.microsoft.com/office/drawing/2014/main" id="{547E790B-E8D5-44B9-8206-3AC19BC04FB8}"/>
+                <a16:creationId xmlns:a16="http://schemas.microsoft.com/office/drawing/2014/main" id="{2A90826F-8F53-4DBB-8E07-9024530F386B}"/>
               </a:ext>
             </a:extLst>
           </p:cNvPr>
-          <p:cNvSpPr>
-            <a:spLocks noGrp="1"/>
-          </p:cNvSpPr>
+          <p:cNvGraphicFramePr>
+            <a:graphicFrameLocks noGrp="1"/>
+          </p:cNvGraphicFramePr>
           <p:nvPr>
             <p:ph idx="1"/>
-          </p:nvPr>
-        </p:nvSpPr>
-        <p:spPr/>
-        <p:txBody>
-          <a:bodyPr>
-            <a:normAutofit lnSpcReduction="10000"/>
-          </a:bodyPr>
-          <a:lstStyle/>
-          <a:p>
-            <a:r>
-              <a:rPr lang="en-US" dirty="0"/>
-              <a:t>My app accepts a .csv file given by the user (must only contain numeric values. </a:t>
-            </a:r>
-            <a:r>
-              <a:rPr lang="en-US" dirty="0" err="1"/>
-              <a:t>NaN</a:t>
-            </a:r>
-            <a:r>
-              <a:rPr lang="en-US" dirty="0"/>
-              <a:t>/NA/Inf values are cleaned by the app, but it will return an error if there is non-numeric data)</a:t>
-            </a:r>
-          </a:p>
-          <a:p>
-            <a:r>
-              <a:rPr lang="en-US" dirty="0"/>
-              <a:t>The next tab allows the user to view the data to make sure it was loaded correctly</a:t>
-            </a:r>
-          </a:p>
-          <a:p>
-            <a:r>
-              <a:rPr lang="en-US" dirty="0"/>
-              <a:t>Then it plots an elbow test of the data to show the optimal number of clusters to use for K-Means clustering</a:t>
-            </a:r>
-          </a:p>
-          <a:p>
-            <a:r>
-              <a:rPr lang="en-US" dirty="0"/>
-              <a:t>Finally it does K-Means Clustering and shows the resulting plot. There is a slider to allow the user to change the number of clusters K.</a:t>
-            </a:r>
-          </a:p>
-          <a:p>
-            <a:pPr marL="0" indent="0">
-              <a:buNone/>
-            </a:pPr>
-            <a:endParaRPr lang="en-US" dirty="0"/>
-          </a:p>
-          <a:p>
-            <a:pPr marL="0" indent="0">
-              <a:buNone/>
-            </a:pPr>
-            <a:endParaRPr lang="en-US" dirty="0"/>
-          </a:p>
-        </p:txBody>
-      </p:sp>
+            <p:extLst>
+              <p:ext uri="{D42A27DB-BD31-4B8C-83A1-F6EECF244321}">
+                <p14:modId xmlns:p14="http://schemas.microsoft.com/office/powerpoint/2010/main" val="2271497686"/>
+              </p:ext>
+            </p:extLst>
+          </p:nvPr>
+        </p:nvGraphicFramePr>
+        <p:xfrm>
+          <a:off x="5284788" y="639763"/>
+          <a:ext cx="6261100" cy="5578475"/>
+        </p:xfrm>
+        <a:graphic>
+          <a:graphicData uri="http://schemas.openxmlformats.org/drawingml/2006/diagram">
+            <dgm:relIds xmlns:dgm="http://schemas.openxmlformats.org/drawingml/2006/diagram" xmlns:r="http://schemas.openxmlformats.org/officeDocument/2006/relationships" r:dm="rId4" r:lo="rId5" r:qs="rId6" r:cs="rId7"/>
+          </a:graphicData>
+        </a:graphic>
+      </p:graphicFrame>
     </p:spTree>
     <p:extLst>
       <p:ext uri="{BB962C8B-B14F-4D97-AF65-F5344CB8AC3E}">
